--- a/LAST PRESENTATION.pptx
+++ b/LAST PRESENTATION.pptx
@@ -13,6 +13,7 @@
     <p:sldId id="260" r:id="rId7"/>
     <p:sldId id="264" r:id="rId8"/>
     <p:sldId id="266" r:id="rId9"/>
+    <p:sldId id="267" r:id="rId10"/>
   </p:sldIdLst>
   <p:sldSz cx="12192000" cy="6858000"/>
   <p:notesSz cx="6858000" cy="9144000"/>
@@ -5811,23 +5812,25 @@
         </p:nvSpPr>
         <p:spPr/>
         <p:txBody>
-          <a:bodyPr/>
+          <a:bodyPr>
+            <a:normAutofit/>
+          </a:bodyPr>
           <a:lstStyle/>
           <a:p>
             <a:r>
-              <a:rPr lang="en-US" dirty="0"/>
+              <a:rPr lang="en-US" sz="2400" dirty="0"/>
               <a:t>WISPR is an application that utilizes RSA encryption to allow users to message each other with maximum security. The app focuses on its small size and portability to deliver a safe way to host or join a chat room. </a:t>
             </a:r>
           </a:p>
           <a:p>
             <a:r>
-              <a:rPr lang="en-US" dirty="0"/>
+              <a:rPr lang="en-US" sz="2400" dirty="0"/>
               <a:t>It was designed with a general audience in mind, and is a multi use application for communication.</a:t>
             </a:r>
           </a:p>
           <a:p>
             <a:r>
-              <a:rPr lang="en-US" dirty="0"/>
+              <a:rPr lang="en-US" sz="2400" dirty="0"/>
               <a:t>RSA encryption utilizes a mathematical formula to create an asymmetric algorithm. </a:t>
             </a:r>
           </a:p>
@@ -5916,15 +5919,15 @@
               <a:buNone/>
             </a:pPr>
             <a:r>
-              <a:rPr lang="en-US" dirty="0"/>
+              <a:rPr lang="en-US" sz="2400" dirty="0"/>
               <a:t>To use </a:t>
             </a:r>
             <a:r>
-              <a:rPr lang="en-US" dirty="0" err="1"/>
+              <a:rPr lang="en-US" sz="2400" dirty="0" err="1"/>
               <a:t>Wispr</a:t>
             </a:r>
             <a:r>
-              <a:rPr lang="en-US" dirty="0"/>
+              <a:rPr lang="en-US" sz="2400" dirty="0"/>
               <a:t>, open the app and either type in your username and password or create a new account. Choose a chat room to join, and begin sending messages. To create an account, click the create an account button, then enter a username and desired password. This creates a new user in the database and logs them in. To login as a registered user, enter your username and password. If they are correct, the information passes the check and continues to the app. If not, an error is thrown and the user is prompted to try again. Select a server by clicking on a button next to one of the server names. In the chat screen, type a message in the bar and click send to post it into the server. Existing login credentials are: username – user, password – yes.</a:t>
             </a:r>
           </a:p>
@@ -9163,23 +9166,25 @@
         </p:nvSpPr>
         <p:spPr/>
         <p:txBody>
-          <a:bodyPr/>
+          <a:bodyPr>
+            <a:normAutofit/>
+          </a:bodyPr>
           <a:lstStyle/>
           <a:p>
             <a:r>
-              <a:rPr lang="en-US" dirty="0"/>
+              <a:rPr lang="en-US" sz="2400" dirty="0"/>
               <a:t>Our design went through one major point of change, this was to reflect a change in the needs of the client. Between the first and second build the design went from an inter-company product to a generalized product. </a:t>
             </a:r>
           </a:p>
           <a:p>
             <a:r>
-              <a:rPr lang="en-US" dirty="0"/>
+              <a:rPr lang="en-US" sz="2400" dirty="0"/>
               <a:t>This changed the client from a specific company to the general public.</a:t>
             </a:r>
           </a:p>
           <a:p>
             <a:r>
-              <a:rPr lang="en-US" dirty="0"/>
+              <a:rPr lang="en-US" sz="2400" dirty="0"/>
               <a:t>The design was also changed through the type of encryption chosen. The end result chosen was RSA encryption. It is typically a slower encryption method, however it is a very secure way to encrypt information and suited the communication style of application we wanted to develop.</a:t>
             </a:r>
           </a:p>
@@ -9245,10 +9250,10 @@
       </p:sp>
       <p:graphicFrame>
         <p:nvGraphicFramePr>
-          <p:cNvPr id="4" name="Content Placeholder 3">
+          <p:cNvPr id="8" name="Content Placeholder 7">
             <a:extLst>
               <a:ext uri="{FF2B5EF4-FFF2-40B4-BE49-F238E27FC236}">
-                <a16:creationId xmlns:a16="http://schemas.microsoft.com/office/drawing/2014/main" id="{D1921060-F171-476E-AAA2-F590B32DFB26}"/>
+                <a16:creationId xmlns:a16="http://schemas.microsoft.com/office/drawing/2014/main" id="{7FBE906D-E284-4986-845E-BB1B1B0AEF71}"/>
               </a:ext>
             </a:extLst>
           </p:cNvPr>
@@ -9259,14 +9264,14 @@
             <p:ph idx="1"/>
             <p:extLst>
               <p:ext uri="{D42A27DB-BD31-4B8C-83A1-F6EECF244321}">
-                <p14:modId xmlns:p14="http://schemas.microsoft.com/office/powerpoint/2010/main" val="2717400771"/>
+                <p14:modId xmlns:p14="http://schemas.microsoft.com/office/powerpoint/2010/main" val="406531052"/>
               </p:ext>
             </p:extLst>
           </p:nvPr>
         </p:nvGraphicFramePr>
         <p:xfrm>
-          <a:off x="685800" y="2193925"/>
-          <a:ext cx="10018713" cy="3909060"/>
+          <a:off x="682172" y="3033486"/>
+          <a:ext cx="10824029" cy="1615270"/>
         </p:xfrm>
         <a:graphic>
           <a:graphicData uri="http://schemas.openxmlformats.org/drawingml/2006/table">
@@ -9275,57 +9280,71 @@
                 <a:tableStyleId>{5C22544A-7EE6-4342-B048-85BDC9FD1C3A}</a:tableStyleId>
               </a:tblPr>
               <a:tblGrid>
-                <a:gridCol w="3577005">
+                <a:gridCol w="3226258">
                   <a:extLst>
                     <a:ext uri="{9D8B030D-6E8A-4147-A177-3AD203B41FA5}">
-                      <a16:colId xmlns:a16="http://schemas.microsoft.com/office/drawing/2014/main" val="3645538705"/>
+                      <a16:colId xmlns:a16="http://schemas.microsoft.com/office/drawing/2014/main" val="3239605085"/>
                     </a:ext>
                   </a:extLst>
                 </a:gridCol>
-                <a:gridCol w="1114910">
+                <a:gridCol w="1005586">
                   <a:extLst>
                     <a:ext uri="{9D8B030D-6E8A-4147-A177-3AD203B41FA5}">
-                      <a16:colId xmlns:a16="http://schemas.microsoft.com/office/drawing/2014/main" val="1973610051"/>
+                      <a16:colId xmlns:a16="http://schemas.microsoft.com/office/drawing/2014/main" val="46244554"/>
                     </a:ext>
                   </a:extLst>
                 </a:gridCol>
-                <a:gridCol w="991031">
+                <a:gridCol w="893856">
                   <a:extLst>
                     <a:ext uri="{9D8B030D-6E8A-4147-A177-3AD203B41FA5}">
-                      <a16:colId xmlns:a16="http://schemas.microsoft.com/office/drawing/2014/main" val="2999877329"/>
+                      <a16:colId xmlns:a16="http://schemas.microsoft.com/office/drawing/2014/main" val="799097840"/>
                     </a:ext>
                   </a:extLst>
                 </a:gridCol>
-                <a:gridCol w="1197498">
+                <a:gridCol w="1080075">
                   <a:extLst>
                     <a:ext uri="{9D8B030D-6E8A-4147-A177-3AD203B41FA5}">
-                      <a16:colId xmlns:a16="http://schemas.microsoft.com/office/drawing/2014/main" val="2801573773"/>
+                      <a16:colId xmlns:a16="http://schemas.microsoft.com/office/drawing/2014/main" val="2731392479"/>
                     </a:ext>
                   </a:extLst>
                 </a:gridCol>
-                <a:gridCol w="991031">
+                <a:gridCol w="893856">
                   <a:extLst>
                     <a:ext uri="{9D8B030D-6E8A-4147-A177-3AD203B41FA5}">
-                      <a16:colId xmlns:a16="http://schemas.microsoft.com/office/drawing/2014/main" val="4246632934"/>
+                      <a16:colId xmlns:a16="http://schemas.microsoft.com/office/drawing/2014/main" val="3356807683"/>
                     </a:ext>
                   </a:extLst>
                 </a:gridCol>
-                <a:gridCol w="1073619">
+                <a:gridCol w="968343">
                   <a:extLst>
                     <a:ext uri="{9D8B030D-6E8A-4147-A177-3AD203B41FA5}">
-                      <a16:colId xmlns:a16="http://schemas.microsoft.com/office/drawing/2014/main" val="123878798"/>
+                      <a16:colId xmlns:a16="http://schemas.microsoft.com/office/drawing/2014/main" val="1902767378"/>
                     </a:ext>
                   </a:extLst>
                 </a:gridCol>
-                <a:gridCol w="1073619">
+                <a:gridCol w="968343">
                   <a:extLst>
                     <a:ext uri="{9D8B030D-6E8A-4147-A177-3AD203B41FA5}">
-                      <a16:colId xmlns:a16="http://schemas.microsoft.com/office/drawing/2014/main" val="958655894"/>
+                      <a16:colId xmlns:a16="http://schemas.microsoft.com/office/drawing/2014/main" val="368034649"/>
+                    </a:ext>
+                  </a:extLst>
+                </a:gridCol>
+                <a:gridCol w="893856">
+                  <a:extLst>
+                    <a:ext uri="{9D8B030D-6E8A-4147-A177-3AD203B41FA5}">
+                      <a16:colId xmlns:a16="http://schemas.microsoft.com/office/drawing/2014/main" val="475049174"/>
+                    </a:ext>
+                  </a:extLst>
+                </a:gridCol>
+                <a:gridCol w="893856">
+                  <a:extLst>
+                    <a:ext uri="{9D8B030D-6E8A-4147-A177-3AD203B41FA5}">
+                      <a16:colId xmlns:a16="http://schemas.microsoft.com/office/drawing/2014/main" val="2877977772"/>
                     </a:ext>
                   </a:extLst>
                 </a:gridCol>
               </a:tblGrid>
-              <a:tr h="195453">
+              <a:tr h="451960">
                 <a:tc>
                   <a:txBody>
                     <a:bodyPr/>
@@ -9333,21 +9352,21 @@
                     <a:p>
                       <a:pPr algn="l" fontAlgn="b"/>
                       <a:r>
-                        <a:rPr lang="en-US" sz="900" u="none" strike="noStrike">
-                          <a:effectLst/>
-                        </a:rPr>
-                        <a:t>Cost Drivers</a:t>
-                      </a:r>
-                      <a:endParaRPr lang="en-US" sz="900" b="1" i="0" u="none" strike="noStrike">
-                        <a:solidFill>
-                          <a:srgbClr val="000000"/>
-                        </a:solidFill>
-                        <a:effectLst/>
-                        <a:latin typeface="Calibri" panose="020F0502020204030204" pitchFamily="34" charset="0"/>
-                      </a:endParaRPr>
-                    </a:p>
-                  </a:txBody>
-                  <a:tcPr marL="7810" marR="7810" marT="7810" marB="0" anchor="b"/>
+                        <a:rPr lang="en-US" sz="1100" u="none" strike="noStrike">
+                          <a:effectLst/>
+                        </a:rPr>
+                        <a:t>Program Complexity</a:t>
+                      </a:r>
+                      <a:endParaRPr lang="en-US" sz="1100" b="0" i="0" u="none" strike="noStrike">
+                        <a:solidFill>
+                          <a:srgbClr val="000000"/>
+                        </a:solidFill>
+                        <a:effectLst/>
+                        <a:latin typeface="Calibri" panose="020F0502020204030204" pitchFamily="34" charset="0"/>
+                      </a:endParaRPr>
+                    </a:p>
+                  </a:txBody>
+                  <a:tcPr marL="9525" marR="9525" marT="9525" marB="0" anchor="b"/>
                 </a:tc>
                 <a:tc>
                   <a:txBody>
@@ -9355,16 +9374,22 @@
                     <a:lstStyle/>
                     <a:p>
                       <a:pPr algn="l" fontAlgn="b"/>
-                      <a:endParaRPr lang="en-US" sz="900" b="1" i="0" u="none" strike="noStrike">
-                        <a:solidFill>
-                          <a:srgbClr val="000000"/>
-                        </a:solidFill>
-                        <a:effectLst/>
-                        <a:latin typeface="Calibri" panose="020F0502020204030204" pitchFamily="34" charset="0"/>
-                      </a:endParaRPr>
-                    </a:p>
-                  </a:txBody>
-                  <a:tcPr marL="7810" marR="7810" marT="7810" marB="0" anchor="b"/>
+                      <a:r>
+                        <a:rPr lang="en-US" sz="1100" u="none" strike="noStrike">
+                          <a:effectLst/>
+                        </a:rPr>
+                        <a:t>a</a:t>
+                      </a:r>
+                      <a:endParaRPr lang="en-US" sz="1100" b="0" i="0" u="none" strike="noStrike">
+                        <a:solidFill>
+                          <a:srgbClr val="000000"/>
+                        </a:solidFill>
+                        <a:effectLst/>
+                        <a:latin typeface="Calibri" panose="020F0502020204030204" pitchFamily="34" charset="0"/>
+                      </a:endParaRPr>
+                    </a:p>
+                  </a:txBody>
+                  <a:tcPr marL="9525" marR="9525" marT="9525" marB="0" anchor="b"/>
                 </a:tc>
                 <a:tc>
                   <a:txBody>
@@ -9372,16 +9397,22 @@
                     <a:lstStyle/>
                     <a:p>
                       <a:pPr algn="l" fontAlgn="b"/>
-                      <a:endParaRPr lang="en-US" sz="900" b="1" i="0" u="none" strike="noStrike">
-                        <a:solidFill>
-                          <a:srgbClr val="000000"/>
-                        </a:solidFill>
-                        <a:effectLst/>
-                        <a:latin typeface="Calibri" panose="020F0502020204030204" pitchFamily="34" charset="0"/>
-                      </a:endParaRPr>
-                    </a:p>
-                  </a:txBody>
-                  <a:tcPr marL="7810" marR="7810" marT="7810" marB="0" anchor="b"/>
+                      <a:r>
+                        <a:rPr lang="en-US" sz="1100" u="none" strike="noStrike">
+                          <a:effectLst/>
+                        </a:rPr>
+                        <a:t>b</a:t>
+                      </a:r>
+                      <a:endParaRPr lang="en-US" sz="1100" b="0" i="0" u="none" strike="noStrike">
+                        <a:solidFill>
+                          <a:srgbClr val="000000"/>
+                        </a:solidFill>
+                        <a:effectLst/>
+                        <a:latin typeface="Calibri" panose="020F0502020204030204" pitchFamily="34" charset="0"/>
+                      </a:endParaRPr>
+                    </a:p>
+                  </a:txBody>
+                  <a:tcPr marL="9525" marR="9525" marT="9525" marB="0" anchor="b"/>
                 </a:tc>
                 <a:tc>
                   <a:txBody>
@@ -9390,21 +9421,21 @@
                     <a:p>
                       <a:pPr algn="l" fontAlgn="b"/>
                       <a:r>
-                        <a:rPr lang="en-US" sz="900" u="none" strike="noStrike">
-                          <a:effectLst/>
-                        </a:rPr>
-                        <a:t>Ratings</a:t>
-                      </a:r>
-                      <a:endParaRPr lang="en-US" sz="900" b="1" i="0" u="none" strike="noStrike">
-                        <a:solidFill>
-                          <a:srgbClr val="000000"/>
-                        </a:solidFill>
-                        <a:effectLst/>
-                        <a:latin typeface="Calibri" panose="020F0502020204030204" pitchFamily="34" charset="0"/>
-                      </a:endParaRPr>
-                    </a:p>
-                  </a:txBody>
-                  <a:tcPr marL="7810" marR="7810" marT="7810" marB="0" anchor="b"/>
+                        <a:rPr lang="en-US" sz="1100" u="none" strike="noStrike">
+                          <a:effectLst/>
+                        </a:rPr>
+                        <a:t>c</a:t>
+                      </a:r>
+                      <a:endParaRPr lang="en-US" sz="1100" b="0" i="0" u="none" strike="noStrike">
+                        <a:solidFill>
+                          <a:srgbClr val="000000"/>
+                        </a:solidFill>
+                        <a:effectLst/>
+                        <a:latin typeface="Calibri" panose="020F0502020204030204" pitchFamily="34" charset="0"/>
+                      </a:endParaRPr>
+                    </a:p>
+                  </a:txBody>
+                  <a:tcPr marL="9525" marR="9525" marT="9525" marB="0" anchor="b"/>
                 </a:tc>
                 <a:tc>
                   <a:txBody>
@@ -9412,16 +9443,22 @@
                     <a:lstStyle/>
                     <a:p>
                       <a:pPr algn="l" fontAlgn="b"/>
-                      <a:endParaRPr lang="en-US" sz="900" b="1" i="0" u="none" strike="noStrike">
-                        <a:solidFill>
-                          <a:srgbClr val="000000"/>
-                        </a:solidFill>
-                        <a:effectLst/>
-                        <a:latin typeface="Calibri" panose="020F0502020204030204" pitchFamily="34" charset="0"/>
-                      </a:endParaRPr>
-                    </a:p>
-                  </a:txBody>
-                  <a:tcPr marL="7810" marR="7810" marT="7810" marB="0" anchor="b"/>
+                      <a:r>
+                        <a:rPr lang="en-US" sz="1100" u="none" strike="noStrike">
+                          <a:effectLst/>
+                        </a:rPr>
+                        <a:t>d</a:t>
+                      </a:r>
+                      <a:endParaRPr lang="en-US" sz="1100" b="0" i="0" u="none" strike="noStrike">
+                        <a:solidFill>
+                          <a:srgbClr val="000000"/>
+                        </a:solidFill>
+                        <a:effectLst/>
+                        <a:latin typeface="Calibri" panose="020F0502020204030204" pitchFamily="34" charset="0"/>
+                      </a:endParaRPr>
+                    </a:p>
+                  </a:txBody>
+                  <a:tcPr marL="9525" marR="9525" marT="9525" marB="0" anchor="b"/>
                 </a:tc>
                 <a:tc>
                   <a:txBody>
@@ -9429,16 +9466,22 @@
                     <a:lstStyle/>
                     <a:p>
                       <a:pPr algn="l" fontAlgn="b"/>
-                      <a:endParaRPr lang="en-US" sz="900" b="1" i="0" u="none" strike="noStrike">
-                        <a:solidFill>
-                          <a:srgbClr val="000000"/>
-                        </a:solidFill>
-                        <a:effectLst/>
-                        <a:latin typeface="Calibri" panose="020F0502020204030204" pitchFamily="34" charset="0"/>
-                      </a:endParaRPr>
-                    </a:p>
-                  </a:txBody>
-                  <a:tcPr marL="7810" marR="7810" marT="7810" marB="0" anchor="b"/>
+                      <a:r>
+                        <a:rPr lang="en-US" sz="1100" u="none" strike="noStrike">
+                          <a:effectLst/>
+                        </a:rPr>
+                        <a:t>KLOC</a:t>
+                      </a:r>
+                      <a:endParaRPr lang="en-US" sz="1100" b="0" i="0" u="none" strike="noStrike">
+                        <a:solidFill>
+                          <a:srgbClr val="000000"/>
+                        </a:solidFill>
+                        <a:effectLst/>
+                        <a:latin typeface="Calibri" panose="020F0502020204030204" pitchFamily="34" charset="0"/>
+                      </a:endParaRPr>
+                    </a:p>
+                  </a:txBody>
+                  <a:tcPr marL="9525" marR="9525" marT="9525" marB="0" anchor="b"/>
                 </a:tc>
                 <a:tc>
                   <a:txBody>
@@ -9446,2948 +9489,286 @@
                     <a:lstStyle/>
                     <a:p>
                       <a:pPr algn="l" fontAlgn="b"/>
-                      <a:endParaRPr lang="en-US" sz="900" b="1" i="0" u="none" strike="noStrike">
-                        <a:solidFill>
-                          <a:srgbClr val="000000"/>
-                        </a:solidFill>
-                        <a:effectLst/>
-                        <a:latin typeface="Calibri" panose="020F0502020204030204" pitchFamily="34" charset="0"/>
-                      </a:endParaRPr>
-                    </a:p>
-                  </a:txBody>
-                  <a:tcPr marL="7810" marR="7810" marT="7810" marB="0" anchor="b"/>
+                      <a:r>
+                        <a:rPr lang="en-US" sz="1100" u="none" strike="noStrike">
+                          <a:effectLst/>
+                        </a:rPr>
+                        <a:t>Effort</a:t>
+                      </a:r>
+                      <a:endParaRPr lang="en-US" sz="1100" b="0" i="0" u="none" strike="noStrike">
+                        <a:solidFill>
+                          <a:srgbClr val="000000"/>
+                        </a:solidFill>
+                        <a:effectLst/>
+                        <a:latin typeface="Calibri" panose="020F0502020204030204" pitchFamily="34" charset="0"/>
+                      </a:endParaRPr>
+                    </a:p>
+                  </a:txBody>
+                  <a:tcPr marL="9525" marR="9525" marT="9525" marB="0" anchor="b"/>
+                </a:tc>
+                <a:tc>
+                  <a:txBody>
+                    <a:bodyPr/>
+                    <a:lstStyle/>
+                    <a:p>
+                      <a:pPr algn="l" fontAlgn="b"/>
+                      <a:r>
+                        <a:rPr lang="en-US" sz="1100" u="none" strike="noStrike">
+                          <a:effectLst/>
+                        </a:rPr>
+                        <a:t>Duration</a:t>
+                      </a:r>
+                      <a:endParaRPr lang="en-US" sz="1100" b="0" i="0" u="none" strike="noStrike">
+                        <a:solidFill>
+                          <a:srgbClr val="000000"/>
+                        </a:solidFill>
+                        <a:effectLst/>
+                        <a:latin typeface="Calibri" panose="020F0502020204030204" pitchFamily="34" charset="0"/>
+                      </a:endParaRPr>
+                    </a:p>
+                  </a:txBody>
+                  <a:tcPr marL="9525" marR="9525" marT="9525" marB="0" anchor="b"/>
+                </a:tc>
+                <a:tc>
+                  <a:txBody>
+                    <a:bodyPr/>
+                    <a:lstStyle/>
+                    <a:p>
+                      <a:pPr algn="l" fontAlgn="b"/>
+                      <a:r>
+                        <a:rPr lang="en-US" sz="1100" u="none" strike="noStrike">
+                          <a:effectLst/>
+                        </a:rPr>
+                        <a:t>Staffing</a:t>
+                      </a:r>
+                      <a:endParaRPr lang="en-US" sz="1100" b="0" i="0" u="none" strike="noStrike">
+                        <a:solidFill>
+                          <a:srgbClr val="000000"/>
+                        </a:solidFill>
+                        <a:effectLst/>
+                        <a:latin typeface="Calibri" panose="020F0502020204030204" pitchFamily="34" charset="0"/>
+                      </a:endParaRPr>
+                    </a:p>
+                  </a:txBody>
+                  <a:tcPr marL="9525" marR="9525" marT="9525" marB="0" anchor="b"/>
                 </a:tc>
                 <a:extLst>
                   <a:ext uri="{0D108BD9-81ED-4DB2-BD59-A6C34878D82A}">
-                    <a16:rowId xmlns:a16="http://schemas.microsoft.com/office/drawing/2014/main" val="4286846951"/>
+                    <a16:rowId xmlns:a16="http://schemas.microsoft.com/office/drawing/2014/main" val="2136642344"/>
                   </a:ext>
                 </a:extLst>
               </a:tr>
-              <a:tr h="195453">
-                <a:tc>
-                  <a:txBody>
-                    <a:bodyPr/>
-                    <a:lstStyle/>
-                    <a:p>
-                      <a:pPr algn="l" fontAlgn="b"/>
-                      <a:endParaRPr lang="en-US" sz="900" b="0" i="0" u="none" strike="noStrike">
-                        <a:solidFill>
-                          <a:srgbClr val="000000"/>
-                        </a:solidFill>
-                        <a:effectLst/>
-                        <a:latin typeface="Calibri" panose="020F0502020204030204" pitchFamily="34" charset="0"/>
-                      </a:endParaRPr>
-                    </a:p>
-                  </a:txBody>
-                  <a:tcPr marL="7810" marR="7810" marT="7810" marB="0" anchor="b"/>
-                </a:tc>
-                <a:tc>
-                  <a:txBody>
-                    <a:bodyPr/>
-                    <a:lstStyle/>
-                    <a:p>
-                      <a:pPr algn="l" fontAlgn="b"/>
-                      <a:r>
-                        <a:rPr lang="en-US" sz="900" u="none" strike="noStrike">
-                          <a:effectLst/>
-                        </a:rPr>
-                        <a:t>Very Low</a:t>
-                      </a:r>
-                      <a:endParaRPr lang="en-US" sz="900" b="0" i="0" u="none" strike="noStrike">
-                        <a:solidFill>
-                          <a:srgbClr val="000000"/>
-                        </a:solidFill>
-                        <a:effectLst/>
-                        <a:latin typeface="Calibri" panose="020F0502020204030204" pitchFamily="34" charset="0"/>
-                      </a:endParaRPr>
-                    </a:p>
-                  </a:txBody>
-                  <a:tcPr marL="7810" marR="7810" marT="7810" marB="0" anchor="b"/>
-                </a:tc>
-                <a:tc>
-                  <a:txBody>
-                    <a:bodyPr/>
-                    <a:lstStyle/>
-                    <a:p>
-                      <a:pPr algn="l" fontAlgn="b"/>
-                      <a:r>
-                        <a:rPr lang="en-US" sz="900" u="none" strike="noStrike">
-                          <a:effectLst/>
-                        </a:rPr>
-                        <a:t>Low</a:t>
-                      </a:r>
-                      <a:endParaRPr lang="en-US" sz="900" b="0" i="0" u="none" strike="noStrike">
-                        <a:solidFill>
-                          <a:srgbClr val="000000"/>
-                        </a:solidFill>
-                        <a:effectLst/>
-                        <a:latin typeface="Calibri" panose="020F0502020204030204" pitchFamily="34" charset="0"/>
-                      </a:endParaRPr>
-                    </a:p>
-                  </a:txBody>
-                  <a:tcPr marL="7810" marR="7810" marT="7810" marB="0" anchor="b"/>
-                </a:tc>
-                <a:tc>
-                  <a:txBody>
-                    <a:bodyPr/>
-                    <a:lstStyle/>
-                    <a:p>
-                      <a:pPr algn="l" fontAlgn="b"/>
-                      <a:r>
-                        <a:rPr lang="en-US" sz="900" u="none" strike="noStrike">
-                          <a:effectLst/>
-                        </a:rPr>
-                        <a:t>Nominal</a:t>
-                      </a:r>
-                      <a:endParaRPr lang="en-US" sz="900" b="0" i="0" u="none" strike="noStrike">
-                        <a:solidFill>
-                          <a:srgbClr val="000000"/>
-                        </a:solidFill>
-                        <a:effectLst/>
-                        <a:latin typeface="Calibri" panose="020F0502020204030204" pitchFamily="34" charset="0"/>
-                      </a:endParaRPr>
-                    </a:p>
-                  </a:txBody>
-                  <a:tcPr marL="7810" marR="7810" marT="7810" marB="0" anchor="b"/>
-                </a:tc>
-                <a:tc>
-                  <a:txBody>
-                    <a:bodyPr/>
-                    <a:lstStyle/>
-                    <a:p>
-                      <a:pPr algn="l" fontAlgn="b"/>
-                      <a:r>
-                        <a:rPr lang="en-US" sz="900" u="none" strike="noStrike">
-                          <a:effectLst/>
-                        </a:rPr>
-                        <a:t>High</a:t>
-                      </a:r>
-                      <a:endParaRPr lang="en-US" sz="900" b="0" i="0" u="none" strike="noStrike">
-                        <a:solidFill>
-                          <a:srgbClr val="000000"/>
-                        </a:solidFill>
-                        <a:effectLst/>
-                        <a:latin typeface="Calibri" panose="020F0502020204030204" pitchFamily="34" charset="0"/>
-                      </a:endParaRPr>
-                    </a:p>
-                  </a:txBody>
-                  <a:tcPr marL="7810" marR="7810" marT="7810" marB="0" anchor="b"/>
-                </a:tc>
-                <a:tc>
-                  <a:txBody>
-                    <a:bodyPr/>
-                    <a:lstStyle/>
-                    <a:p>
-                      <a:pPr algn="l" fontAlgn="b"/>
-                      <a:r>
-                        <a:rPr lang="en-US" sz="900" u="none" strike="noStrike">
-                          <a:effectLst/>
-                        </a:rPr>
-                        <a:t>Very High</a:t>
-                      </a:r>
-                      <a:endParaRPr lang="en-US" sz="900" b="0" i="0" u="none" strike="noStrike">
-                        <a:solidFill>
-                          <a:srgbClr val="000000"/>
-                        </a:solidFill>
-                        <a:effectLst/>
-                        <a:latin typeface="Calibri" panose="020F0502020204030204" pitchFamily="34" charset="0"/>
-                      </a:endParaRPr>
-                    </a:p>
-                  </a:txBody>
-                  <a:tcPr marL="7810" marR="7810" marT="7810" marB="0" anchor="b"/>
-                </a:tc>
-                <a:tc>
-                  <a:txBody>
-                    <a:bodyPr/>
-                    <a:lstStyle/>
-                    <a:p>
-                      <a:pPr algn="l" fontAlgn="b"/>
-                      <a:r>
-                        <a:rPr lang="en-US" sz="900" u="none" strike="noStrike">
-                          <a:effectLst/>
-                        </a:rPr>
-                        <a:t>Extra High</a:t>
-                      </a:r>
-                      <a:endParaRPr lang="en-US" sz="900" b="0" i="0" u="none" strike="noStrike">
-                        <a:solidFill>
-                          <a:srgbClr val="000000"/>
-                        </a:solidFill>
-                        <a:effectLst/>
-                        <a:latin typeface="Calibri" panose="020F0502020204030204" pitchFamily="34" charset="0"/>
-                      </a:endParaRPr>
-                    </a:p>
-                  </a:txBody>
-                  <a:tcPr marL="7810" marR="7810" marT="7810" marB="0" anchor="b"/>
+              <a:tr h="1163310">
+                <a:tc>
+                  <a:txBody>
+                    <a:bodyPr/>
+                    <a:lstStyle/>
+                    <a:p>
+                      <a:pPr algn="l" fontAlgn="ctr"/>
+                      <a:r>
+                        <a:rPr lang="en-US" sz="1100" u="none" strike="noStrike" dirty="0">
+                          <a:effectLst/>
+                        </a:rPr>
+                        <a:t>Organic</a:t>
+                      </a:r>
+                      <a:endParaRPr lang="en-US" sz="1100" b="0" i="0" u="none" strike="noStrike" dirty="0">
+                        <a:solidFill>
+                          <a:srgbClr val="000000"/>
+                        </a:solidFill>
+                        <a:effectLst/>
+                        <a:latin typeface="Times New Roman" panose="02020603050405020304" pitchFamily="18" charset="0"/>
+                      </a:endParaRPr>
+                    </a:p>
+                  </a:txBody>
+                  <a:tcPr marL="9525" marR="9525" marT="9525" marB="0" anchor="ctr"/>
+                </a:tc>
+                <a:tc>
+                  <a:txBody>
+                    <a:bodyPr/>
+                    <a:lstStyle/>
+                    <a:p>
+                      <a:pPr algn="r" fontAlgn="ctr"/>
+                      <a:r>
+                        <a:rPr lang="en-US" sz="1100" u="none" strike="noStrike" dirty="0">
+                          <a:effectLst/>
+                        </a:rPr>
+                        <a:t>2.4</a:t>
+                      </a:r>
+                      <a:endParaRPr lang="en-US" sz="1100" b="0" i="0" u="none" strike="noStrike" dirty="0">
+                        <a:solidFill>
+                          <a:srgbClr val="000000"/>
+                        </a:solidFill>
+                        <a:effectLst/>
+                        <a:latin typeface="Times New Roman" panose="02020603050405020304" pitchFamily="18" charset="0"/>
+                      </a:endParaRPr>
+                    </a:p>
+                  </a:txBody>
+                  <a:tcPr marL="9525" marR="9525" marT="9525" marB="0" anchor="ctr"/>
+                </a:tc>
+                <a:tc>
+                  <a:txBody>
+                    <a:bodyPr/>
+                    <a:lstStyle/>
+                    <a:p>
+                      <a:pPr algn="r" fontAlgn="ctr"/>
+                      <a:r>
+                        <a:rPr lang="en-US" sz="1100" u="none" strike="noStrike" dirty="0">
+                          <a:effectLst/>
+                        </a:rPr>
+                        <a:t>1.05</a:t>
+                      </a:r>
+                      <a:endParaRPr lang="en-US" sz="1100" b="0" i="0" u="none" strike="noStrike" dirty="0">
+                        <a:solidFill>
+                          <a:srgbClr val="000000"/>
+                        </a:solidFill>
+                        <a:effectLst/>
+                        <a:latin typeface="Times New Roman" panose="02020603050405020304" pitchFamily="18" charset="0"/>
+                      </a:endParaRPr>
+                    </a:p>
+                  </a:txBody>
+                  <a:tcPr marL="9525" marR="9525" marT="9525" marB="0" anchor="ctr"/>
+                </a:tc>
+                <a:tc>
+                  <a:txBody>
+                    <a:bodyPr/>
+                    <a:lstStyle/>
+                    <a:p>
+                      <a:pPr algn="r" fontAlgn="ctr"/>
+                      <a:r>
+                        <a:rPr lang="en-US" sz="1100" u="none" strike="noStrike" dirty="0">
+                          <a:effectLst/>
+                        </a:rPr>
+                        <a:t>2.5</a:t>
+                      </a:r>
+                      <a:endParaRPr lang="en-US" sz="1100" b="0" i="0" u="none" strike="noStrike" dirty="0">
+                        <a:solidFill>
+                          <a:srgbClr val="000000"/>
+                        </a:solidFill>
+                        <a:effectLst/>
+                        <a:latin typeface="Times New Roman" panose="02020603050405020304" pitchFamily="18" charset="0"/>
+                      </a:endParaRPr>
+                    </a:p>
+                  </a:txBody>
+                  <a:tcPr marL="9525" marR="9525" marT="9525" marB="0" anchor="ctr"/>
+                </a:tc>
+                <a:tc>
+                  <a:txBody>
+                    <a:bodyPr/>
+                    <a:lstStyle/>
+                    <a:p>
+                      <a:pPr algn="r" fontAlgn="ctr"/>
+                      <a:r>
+                        <a:rPr lang="en-US" sz="1100" u="none" strike="noStrike">
+                          <a:effectLst/>
+                        </a:rPr>
+                        <a:t>0.38</a:t>
+                      </a:r>
+                      <a:endParaRPr lang="en-US" sz="1100" b="0" i="0" u="none" strike="noStrike">
+                        <a:solidFill>
+                          <a:srgbClr val="000000"/>
+                        </a:solidFill>
+                        <a:effectLst/>
+                        <a:latin typeface="Times New Roman" panose="02020603050405020304" pitchFamily="18" charset="0"/>
+                      </a:endParaRPr>
+                    </a:p>
+                  </a:txBody>
+                  <a:tcPr marL="9525" marR="9525" marT="9525" marB="0" anchor="ctr"/>
+                </a:tc>
+                <a:tc>
+                  <a:txBody>
+                    <a:bodyPr/>
+                    <a:lstStyle/>
+                    <a:p>
+                      <a:pPr algn="r" fontAlgn="ctr"/>
+                      <a:r>
+                        <a:rPr lang="en-US" sz="1100" u="none" strike="noStrike">
+                          <a:effectLst/>
+                        </a:rPr>
+                        <a:t>5.2</a:t>
+                      </a:r>
+                      <a:endParaRPr lang="en-US" sz="1100" b="0" i="0" u="none" strike="noStrike">
+                        <a:solidFill>
+                          <a:srgbClr val="000000"/>
+                        </a:solidFill>
+                        <a:effectLst/>
+                        <a:latin typeface="Times New Roman" panose="02020603050405020304" pitchFamily="18" charset="0"/>
+                      </a:endParaRPr>
+                    </a:p>
+                  </a:txBody>
+                  <a:tcPr marL="9525" marR="9525" marT="9525" marB="0" anchor="ctr"/>
+                </a:tc>
+                <a:tc>
+                  <a:txBody>
+                    <a:bodyPr/>
+                    <a:lstStyle/>
+                    <a:p>
+                      <a:pPr algn="r" fontAlgn="ctr"/>
+                      <a:r>
+                        <a:rPr lang="en-US" sz="1100" u="none" strike="noStrike">
+                          <a:effectLst/>
+                        </a:rPr>
+                        <a:t>13.552</a:t>
+                      </a:r>
+                      <a:endParaRPr lang="en-US" sz="1100" b="0" i="0" u="none" strike="noStrike">
+                        <a:solidFill>
+                          <a:srgbClr val="000000"/>
+                        </a:solidFill>
+                        <a:effectLst/>
+                        <a:latin typeface="Times New Roman" panose="02020603050405020304" pitchFamily="18" charset="0"/>
+                      </a:endParaRPr>
+                    </a:p>
+                  </a:txBody>
+                  <a:tcPr marL="9525" marR="9525" marT="9525" marB="0" anchor="ctr"/>
+                </a:tc>
+                <a:tc>
+                  <a:txBody>
+                    <a:bodyPr/>
+                    <a:lstStyle/>
+                    <a:p>
+                      <a:pPr algn="r" fontAlgn="ctr"/>
+                      <a:r>
+                        <a:rPr lang="en-US" sz="1100" u="none" strike="noStrike" dirty="0">
+                          <a:effectLst/>
+                        </a:rPr>
+                        <a:t>3</a:t>
+                      </a:r>
+                      <a:endParaRPr lang="en-US" sz="1100" b="0" i="0" u="none" strike="noStrike" dirty="0">
+                        <a:solidFill>
+                          <a:srgbClr val="000000"/>
+                        </a:solidFill>
+                        <a:effectLst/>
+                        <a:latin typeface="Times New Roman" panose="02020603050405020304" pitchFamily="18" charset="0"/>
+                      </a:endParaRPr>
+                    </a:p>
+                  </a:txBody>
+                  <a:tcPr marL="9525" marR="9525" marT="9525" marB="0" anchor="ctr"/>
+                </a:tc>
+                <a:tc>
+                  <a:txBody>
+                    <a:bodyPr/>
+                    <a:lstStyle/>
+                    <a:p>
+                      <a:pPr algn="r" fontAlgn="ctr"/>
+                      <a:r>
+                        <a:rPr lang="en-US" sz="1100" u="none" strike="noStrike" dirty="0">
+                          <a:effectLst/>
+                        </a:rPr>
+                        <a:t>4.517</a:t>
+                      </a:r>
+                      <a:endParaRPr lang="en-US" sz="1100" b="0" i="0" u="none" strike="noStrike" dirty="0">
+                        <a:solidFill>
+                          <a:srgbClr val="000000"/>
+                        </a:solidFill>
+                        <a:effectLst/>
+                        <a:latin typeface="Times New Roman" panose="02020603050405020304" pitchFamily="18" charset="0"/>
+                      </a:endParaRPr>
+                    </a:p>
+                  </a:txBody>
+                  <a:tcPr marL="9525" marR="9525" marT="9525" marB="0" anchor="ctr"/>
                 </a:tc>
                 <a:extLst>
                   <a:ext uri="{0D108BD9-81ED-4DB2-BD59-A6C34878D82A}">
-                    <a16:rowId xmlns:a16="http://schemas.microsoft.com/office/drawing/2014/main" val="579808472"/>
-                  </a:ext>
-                </a:extLst>
-              </a:tr>
-              <a:tr h="195453">
-                <a:tc>
-                  <a:txBody>
-                    <a:bodyPr/>
-                    <a:lstStyle/>
-                    <a:p>
-                      <a:pPr algn="l" fontAlgn="b"/>
-                      <a:r>
-                        <a:rPr lang="en-US" sz="900" u="none" strike="noStrike">
-                          <a:effectLst/>
-                        </a:rPr>
-                        <a:t>Product Attributes</a:t>
-                      </a:r>
-                      <a:endParaRPr lang="en-US" sz="900" b="1" i="0" u="none" strike="noStrike">
-                        <a:solidFill>
-                          <a:srgbClr val="000000"/>
-                        </a:solidFill>
-                        <a:effectLst/>
-                        <a:latin typeface="Calibri" panose="020F0502020204030204" pitchFamily="34" charset="0"/>
-                      </a:endParaRPr>
-                    </a:p>
-                  </a:txBody>
-                  <a:tcPr marL="7810" marR="7810" marT="7810" marB="0" anchor="b"/>
-                </a:tc>
-                <a:tc>
-                  <a:txBody>
-                    <a:bodyPr/>
-                    <a:lstStyle/>
-                    <a:p>
-                      <a:pPr algn="l" fontAlgn="b"/>
-                      <a:endParaRPr lang="en-US" sz="900" b="0" i="0" u="none" strike="noStrike">
-                        <a:solidFill>
-                          <a:srgbClr val="000000"/>
-                        </a:solidFill>
-                        <a:effectLst/>
-                        <a:latin typeface="Calibri" panose="020F0502020204030204" pitchFamily="34" charset="0"/>
-                      </a:endParaRPr>
-                    </a:p>
-                  </a:txBody>
-                  <a:tcPr marL="7810" marR="7810" marT="7810" marB="0" anchor="b"/>
-                </a:tc>
-                <a:tc>
-                  <a:txBody>
-                    <a:bodyPr/>
-                    <a:lstStyle/>
-                    <a:p>
-                      <a:pPr algn="l" fontAlgn="b"/>
-                      <a:endParaRPr lang="en-US" sz="900" b="0" i="0" u="none" strike="noStrike">
-                        <a:solidFill>
-                          <a:srgbClr val="000000"/>
-                        </a:solidFill>
-                        <a:effectLst/>
-                        <a:latin typeface="Calibri" panose="020F0502020204030204" pitchFamily="34" charset="0"/>
-                      </a:endParaRPr>
-                    </a:p>
-                  </a:txBody>
-                  <a:tcPr marL="7810" marR="7810" marT="7810" marB="0" anchor="b"/>
-                </a:tc>
-                <a:tc>
-                  <a:txBody>
-                    <a:bodyPr/>
-                    <a:lstStyle/>
-                    <a:p>
-                      <a:pPr algn="l" fontAlgn="b"/>
-                      <a:endParaRPr lang="en-US" sz="900" b="0" i="0" u="none" strike="noStrike">
-                        <a:solidFill>
-                          <a:srgbClr val="000000"/>
-                        </a:solidFill>
-                        <a:effectLst/>
-                        <a:latin typeface="Calibri" panose="020F0502020204030204" pitchFamily="34" charset="0"/>
-                      </a:endParaRPr>
-                    </a:p>
-                  </a:txBody>
-                  <a:tcPr marL="7810" marR="7810" marT="7810" marB="0" anchor="b"/>
-                </a:tc>
-                <a:tc>
-                  <a:txBody>
-                    <a:bodyPr/>
-                    <a:lstStyle/>
-                    <a:p>
-                      <a:pPr algn="l" fontAlgn="b"/>
-                      <a:endParaRPr lang="en-US" sz="900" b="0" i="0" u="none" strike="noStrike">
-                        <a:solidFill>
-                          <a:srgbClr val="000000"/>
-                        </a:solidFill>
-                        <a:effectLst/>
-                        <a:latin typeface="Calibri" panose="020F0502020204030204" pitchFamily="34" charset="0"/>
-                      </a:endParaRPr>
-                    </a:p>
-                  </a:txBody>
-                  <a:tcPr marL="7810" marR="7810" marT="7810" marB="0" anchor="b"/>
-                </a:tc>
-                <a:tc>
-                  <a:txBody>
-                    <a:bodyPr/>
-                    <a:lstStyle/>
-                    <a:p>
-                      <a:pPr algn="l" fontAlgn="b"/>
-                      <a:endParaRPr lang="en-US" sz="900" b="0" i="0" u="none" strike="noStrike">
-                        <a:solidFill>
-                          <a:srgbClr val="000000"/>
-                        </a:solidFill>
-                        <a:effectLst/>
-                        <a:latin typeface="Calibri" panose="020F0502020204030204" pitchFamily="34" charset="0"/>
-                      </a:endParaRPr>
-                    </a:p>
-                  </a:txBody>
-                  <a:tcPr marL="7810" marR="7810" marT="7810" marB="0" anchor="b"/>
-                </a:tc>
-                <a:tc>
-                  <a:txBody>
-                    <a:bodyPr/>
-                    <a:lstStyle/>
-                    <a:p>
-                      <a:pPr algn="l" fontAlgn="b"/>
-                      <a:endParaRPr lang="en-US" sz="900" b="0" i="0" u="none" strike="noStrike">
-                        <a:solidFill>
-                          <a:srgbClr val="000000"/>
-                        </a:solidFill>
-                        <a:effectLst/>
-                        <a:latin typeface="Calibri" panose="020F0502020204030204" pitchFamily="34" charset="0"/>
-                      </a:endParaRPr>
-                    </a:p>
-                  </a:txBody>
-                  <a:tcPr marL="7810" marR="7810" marT="7810" marB="0" anchor="b"/>
-                </a:tc>
-                <a:extLst>
-                  <a:ext uri="{0D108BD9-81ED-4DB2-BD59-A6C34878D82A}">
-                    <a16:rowId xmlns:a16="http://schemas.microsoft.com/office/drawing/2014/main" val="3042956711"/>
-                  </a:ext>
-                </a:extLst>
-              </a:tr>
-              <a:tr h="195453">
-                <a:tc>
-                  <a:txBody>
-                    <a:bodyPr/>
-                    <a:lstStyle/>
-                    <a:p>
-                      <a:pPr algn="l" fontAlgn="b"/>
-                      <a:r>
-                        <a:rPr lang="en-US" sz="900" u="none" strike="noStrike">
-                          <a:effectLst/>
-                        </a:rPr>
-                        <a:t>Required Software Reliability</a:t>
-                      </a:r>
-                      <a:endParaRPr lang="en-US" sz="900" b="0" i="0" u="none" strike="noStrike">
-                        <a:solidFill>
-                          <a:srgbClr val="000000"/>
-                        </a:solidFill>
-                        <a:effectLst/>
-                        <a:latin typeface="Calibri" panose="020F0502020204030204" pitchFamily="34" charset="0"/>
-                      </a:endParaRPr>
-                    </a:p>
-                  </a:txBody>
-                  <a:tcPr marL="7810" marR="7810" marT="7810" marB="0" anchor="b"/>
-                </a:tc>
-                <a:tc>
-                  <a:txBody>
-                    <a:bodyPr/>
-                    <a:lstStyle/>
-                    <a:p>
-                      <a:pPr algn="r" fontAlgn="b"/>
-                      <a:r>
-                        <a:rPr lang="en-US" sz="900" u="none" strike="noStrike">
-                          <a:effectLst/>
-                        </a:rPr>
-                        <a:t>0.75</a:t>
-                      </a:r>
-                      <a:endParaRPr lang="en-US" sz="900" b="0" i="0" u="none" strike="noStrike">
-                        <a:solidFill>
-                          <a:srgbClr val="000000"/>
-                        </a:solidFill>
-                        <a:effectLst/>
-                        <a:latin typeface="Calibri" panose="020F0502020204030204" pitchFamily="34" charset="0"/>
-                      </a:endParaRPr>
-                    </a:p>
-                  </a:txBody>
-                  <a:tcPr marL="7810" marR="7810" marT="7810" marB="0" anchor="b"/>
-                </a:tc>
-                <a:tc>
-                  <a:txBody>
-                    <a:bodyPr/>
-                    <a:lstStyle/>
-                    <a:p>
-                      <a:pPr algn="r" fontAlgn="b"/>
-                      <a:r>
-                        <a:rPr lang="en-US" sz="900" u="none" strike="noStrike">
-                          <a:effectLst/>
-                        </a:rPr>
-                        <a:t>0.89</a:t>
-                      </a:r>
-                      <a:endParaRPr lang="en-US" sz="900" b="0" i="0" u="none" strike="noStrike">
-                        <a:solidFill>
-                          <a:srgbClr val="000000"/>
-                        </a:solidFill>
-                        <a:effectLst/>
-                        <a:latin typeface="Calibri" panose="020F0502020204030204" pitchFamily="34" charset="0"/>
-                      </a:endParaRPr>
-                    </a:p>
-                  </a:txBody>
-                  <a:tcPr marL="7810" marR="7810" marT="7810" marB="0" anchor="b"/>
-                </a:tc>
-                <a:tc>
-                  <a:txBody>
-                    <a:bodyPr/>
-                    <a:lstStyle/>
-                    <a:p>
-                      <a:pPr algn="l" fontAlgn="b"/>
-                      <a:r>
-                        <a:rPr lang="en-US" sz="900" u="none" strike="noStrike">
-                          <a:effectLst/>
-                        </a:rPr>
-                        <a:t>1.00</a:t>
-                      </a:r>
-                      <a:endParaRPr lang="en-US" sz="900" b="0" i="0" u="none" strike="noStrike">
-                        <a:solidFill>
-                          <a:srgbClr val="000000"/>
-                        </a:solidFill>
-                        <a:effectLst/>
-                        <a:latin typeface="Calibri" panose="020F0502020204030204" pitchFamily="34" charset="0"/>
-                      </a:endParaRPr>
-                    </a:p>
-                  </a:txBody>
-                  <a:tcPr marL="351472" marR="7810" marT="7810" marB="0" anchor="b"/>
-                </a:tc>
-                <a:tc>
-                  <a:txBody>
-                    <a:bodyPr/>
-                    <a:lstStyle/>
-                    <a:p>
-                      <a:pPr algn="r" fontAlgn="b"/>
-                      <a:r>
-                        <a:rPr lang="en-US" sz="900" u="none" strike="noStrike">
-                          <a:effectLst/>
-                        </a:rPr>
-                        <a:t>1.14</a:t>
-                      </a:r>
-                      <a:endParaRPr lang="en-US" sz="900" b="0" i="0" u="none" strike="noStrike">
-                        <a:solidFill>
-                          <a:srgbClr val="000000"/>
-                        </a:solidFill>
-                        <a:effectLst/>
-                        <a:latin typeface="Calibri" panose="020F0502020204030204" pitchFamily="34" charset="0"/>
-                      </a:endParaRPr>
-                    </a:p>
-                  </a:txBody>
-                  <a:tcPr marL="7810" marR="7810" marT="7810" marB="0" anchor="b"/>
-                </a:tc>
-                <a:tc>
-                  <a:txBody>
-                    <a:bodyPr/>
-                    <a:lstStyle/>
-                    <a:p>
-                      <a:pPr algn="r" fontAlgn="b"/>
-                      <a:r>
-                        <a:rPr lang="en-US" sz="900" u="none" strike="noStrike">
-                          <a:effectLst/>
-                        </a:rPr>
-                        <a:t>1.40</a:t>
-                      </a:r>
-                      <a:endParaRPr lang="en-US" sz="900" b="0" i="0" u="none" strike="noStrike">
-                        <a:solidFill>
-                          <a:srgbClr val="000000"/>
-                        </a:solidFill>
-                        <a:effectLst/>
-                        <a:latin typeface="Calibri" panose="020F0502020204030204" pitchFamily="34" charset="0"/>
-                      </a:endParaRPr>
-                    </a:p>
-                  </a:txBody>
-                  <a:tcPr marL="7810" marR="7810" marT="7810" marB="0" anchor="b"/>
-                </a:tc>
-                <a:tc>
-                  <a:txBody>
-                    <a:bodyPr/>
-                    <a:lstStyle/>
-                    <a:p>
-                      <a:pPr algn="l" fontAlgn="b"/>
-                      <a:endParaRPr lang="en-US" sz="900" b="0" i="0" u="none" strike="noStrike">
-                        <a:solidFill>
-                          <a:srgbClr val="000000"/>
-                        </a:solidFill>
-                        <a:effectLst/>
-                        <a:latin typeface="Calibri" panose="020F0502020204030204" pitchFamily="34" charset="0"/>
-                      </a:endParaRPr>
-                    </a:p>
-                  </a:txBody>
-                  <a:tcPr marL="7810" marR="7810" marT="7810" marB="0" anchor="b"/>
-                </a:tc>
-                <a:extLst>
-                  <a:ext uri="{0D108BD9-81ED-4DB2-BD59-A6C34878D82A}">
-                    <a16:rowId xmlns:a16="http://schemas.microsoft.com/office/drawing/2014/main" val="3888021257"/>
-                  </a:ext>
-                </a:extLst>
-              </a:tr>
-              <a:tr h="195453">
-                <a:tc>
-                  <a:txBody>
-                    <a:bodyPr/>
-                    <a:lstStyle/>
-                    <a:p>
-                      <a:pPr algn="l" fontAlgn="b"/>
-                      <a:r>
-                        <a:rPr lang="en-US" sz="900" u="none" strike="noStrike">
-                          <a:effectLst/>
-                        </a:rPr>
-                        <a:t>Database Size</a:t>
-                      </a:r>
-                      <a:endParaRPr lang="en-US" sz="900" b="0" i="0" u="none" strike="noStrike">
-                        <a:solidFill>
-                          <a:srgbClr val="000000"/>
-                        </a:solidFill>
-                        <a:effectLst/>
-                        <a:latin typeface="Calibri" panose="020F0502020204030204" pitchFamily="34" charset="0"/>
-                      </a:endParaRPr>
-                    </a:p>
-                  </a:txBody>
-                  <a:tcPr marL="7810" marR="7810" marT="7810" marB="0" anchor="b"/>
-                </a:tc>
-                <a:tc>
-                  <a:txBody>
-                    <a:bodyPr/>
-                    <a:lstStyle/>
-                    <a:p>
-                      <a:pPr algn="l" fontAlgn="b"/>
-                      <a:endParaRPr lang="en-US" sz="900" b="0" i="0" u="none" strike="noStrike">
-                        <a:solidFill>
-                          <a:srgbClr val="000000"/>
-                        </a:solidFill>
-                        <a:effectLst/>
-                        <a:latin typeface="Calibri" panose="020F0502020204030204" pitchFamily="34" charset="0"/>
-                      </a:endParaRPr>
-                    </a:p>
-                  </a:txBody>
-                  <a:tcPr marL="7810" marR="7810" marT="7810" marB="0" anchor="b"/>
-                </a:tc>
-                <a:tc>
-                  <a:txBody>
-                    <a:bodyPr/>
-                    <a:lstStyle/>
-                    <a:p>
-                      <a:pPr algn="r" fontAlgn="b"/>
-                      <a:r>
-                        <a:rPr lang="en-US" sz="900" u="none" strike="noStrike">
-                          <a:effectLst/>
-                        </a:rPr>
-                        <a:t>0.90</a:t>
-                      </a:r>
-                      <a:endParaRPr lang="en-US" sz="900" b="0" i="0" u="none" strike="noStrike">
-                        <a:solidFill>
-                          <a:srgbClr val="000000"/>
-                        </a:solidFill>
-                        <a:effectLst/>
-                        <a:latin typeface="Calibri" panose="020F0502020204030204" pitchFamily="34" charset="0"/>
-                      </a:endParaRPr>
-                    </a:p>
-                  </a:txBody>
-                  <a:tcPr marL="7810" marR="7810" marT="7810" marB="0" anchor="b"/>
-                </a:tc>
-                <a:tc>
-                  <a:txBody>
-                    <a:bodyPr/>
-                    <a:lstStyle/>
-                    <a:p>
-                      <a:pPr algn="l" fontAlgn="b"/>
-                      <a:r>
-                        <a:rPr lang="en-US" sz="900" u="none" strike="noStrike">
-                          <a:effectLst/>
-                        </a:rPr>
-                        <a:t>1.00</a:t>
-                      </a:r>
-                      <a:endParaRPr lang="en-US" sz="900" b="0" i="0" u="none" strike="noStrike">
-                        <a:solidFill>
-                          <a:srgbClr val="000000"/>
-                        </a:solidFill>
-                        <a:effectLst/>
-                        <a:latin typeface="Calibri" panose="020F0502020204030204" pitchFamily="34" charset="0"/>
-                      </a:endParaRPr>
-                    </a:p>
-                  </a:txBody>
-                  <a:tcPr marL="351472" marR="7810" marT="7810" marB="0" anchor="b"/>
-                </a:tc>
-                <a:tc>
-                  <a:txBody>
-                    <a:bodyPr/>
-                    <a:lstStyle/>
-                    <a:p>
-                      <a:pPr algn="r" fontAlgn="b"/>
-                      <a:r>
-                        <a:rPr lang="en-US" sz="900" u="none" strike="noStrike">
-                          <a:effectLst/>
-                        </a:rPr>
-                        <a:t>1.09</a:t>
-                      </a:r>
-                      <a:endParaRPr lang="en-US" sz="900" b="0" i="0" u="none" strike="noStrike">
-                        <a:solidFill>
-                          <a:srgbClr val="000000"/>
-                        </a:solidFill>
-                        <a:effectLst/>
-                        <a:latin typeface="Calibri" panose="020F0502020204030204" pitchFamily="34" charset="0"/>
-                      </a:endParaRPr>
-                    </a:p>
-                  </a:txBody>
-                  <a:tcPr marL="7810" marR="7810" marT="7810" marB="0" anchor="b"/>
-                </a:tc>
-                <a:tc>
-                  <a:txBody>
-                    <a:bodyPr/>
-                    <a:lstStyle/>
-                    <a:p>
-                      <a:pPr algn="r" fontAlgn="b"/>
-                      <a:r>
-                        <a:rPr lang="en-US" sz="900" u="none" strike="noStrike">
-                          <a:effectLst/>
-                        </a:rPr>
-                        <a:t>1.15</a:t>
-                      </a:r>
-                      <a:endParaRPr lang="en-US" sz="900" b="0" i="0" u="none" strike="noStrike">
-                        <a:solidFill>
-                          <a:srgbClr val="000000"/>
-                        </a:solidFill>
-                        <a:effectLst/>
-                        <a:latin typeface="Calibri" panose="020F0502020204030204" pitchFamily="34" charset="0"/>
-                      </a:endParaRPr>
-                    </a:p>
-                  </a:txBody>
-                  <a:tcPr marL="7810" marR="7810" marT="7810" marB="0" anchor="b"/>
-                </a:tc>
-                <a:tc>
-                  <a:txBody>
-                    <a:bodyPr/>
-                    <a:lstStyle/>
-                    <a:p>
-                      <a:pPr algn="l" fontAlgn="b"/>
-                      <a:endParaRPr lang="en-US" sz="900" b="0" i="0" u="none" strike="noStrike">
-                        <a:solidFill>
-                          <a:srgbClr val="000000"/>
-                        </a:solidFill>
-                        <a:effectLst/>
-                        <a:latin typeface="Calibri" panose="020F0502020204030204" pitchFamily="34" charset="0"/>
-                      </a:endParaRPr>
-                    </a:p>
-                  </a:txBody>
-                  <a:tcPr marL="7810" marR="7810" marT="7810" marB="0" anchor="b"/>
-                </a:tc>
-                <a:extLst>
-                  <a:ext uri="{0D108BD9-81ED-4DB2-BD59-A6C34878D82A}">
-                    <a16:rowId xmlns:a16="http://schemas.microsoft.com/office/drawing/2014/main" val="2242767159"/>
-                  </a:ext>
-                </a:extLst>
-              </a:tr>
-              <a:tr h="195453">
-                <a:tc>
-                  <a:txBody>
-                    <a:bodyPr/>
-                    <a:lstStyle/>
-                    <a:p>
-                      <a:pPr algn="l" fontAlgn="b"/>
-                      <a:r>
-                        <a:rPr lang="en-US" sz="900" u="none" strike="noStrike">
-                          <a:effectLst/>
-                        </a:rPr>
-                        <a:t>Product Complexity</a:t>
-                      </a:r>
-                      <a:endParaRPr lang="en-US" sz="900" b="0" i="0" u="none" strike="noStrike">
-                        <a:solidFill>
-                          <a:srgbClr val="000000"/>
-                        </a:solidFill>
-                        <a:effectLst/>
-                        <a:latin typeface="Calibri" panose="020F0502020204030204" pitchFamily="34" charset="0"/>
-                      </a:endParaRPr>
-                    </a:p>
-                  </a:txBody>
-                  <a:tcPr marL="7810" marR="7810" marT="7810" marB="0" anchor="b"/>
-                </a:tc>
-                <a:tc>
-                  <a:txBody>
-                    <a:bodyPr/>
-                    <a:lstStyle/>
-                    <a:p>
-                      <a:pPr algn="r" fontAlgn="b"/>
-                      <a:r>
-                        <a:rPr lang="en-US" sz="900" u="none" strike="noStrike">
-                          <a:effectLst/>
-                        </a:rPr>
-                        <a:t>0.70</a:t>
-                      </a:r>
-                      <a:endParaRPr lang="en-US" sz="900" b="0" i="0" u="none" strike="noStrike">
-                        <a:solidFill>
-                          <a:srgbClr val="000000"/>
-                        </a:solidFill>
-                        <a:effectLst/>
-                        <a:latin typeface="Calibri" panose="020F0502020204030204" pitchFamily="34" charset="0"/>
-                      </a:endParaRPr>
-                    </a:p>
-                  </a:txBody>
-                  <a:tcPr marL="7810" marR="7810" marT="7810" marB="0" anchor="b"/>
-                </a:tc>
-                <a:tc>
-                  <a:txBody>
-                    <a:bodyPr/>
-                    <a:lstStyle/>
-                    <a:p>
-                      <a:pPr algn="r" fontAlgn="b"/>
-                      <a:r>
-                        <a:rPr lang="en-US" sz="900" u="none" strike="noStrike">
-                          <a:effectLst/>
-                        </a:rPr>
-                        <a:t>0.78</a:t>
-                      </a:r>
-                      <a:endParaRPr lang="en-US" sz="900" b="0" i="0" u="none" strike="noStrike">
-                        <a:solidFill>
-                          <a:srgbClr val="000000"/>
-                        </a:solidFill>
-                        <a:effectLst/>
-                        <a:latin typeface="Calibri" panose="020F0502020204030204" pitchFamily="34" charset="0"/>
-                      </a:endParaRPr>
-                    </a:p>
-                  </a:txBody>
-                  <a:tcPr marL="7810" marR="7810" marT="7810" marB="0" anchor="b"/>
-                </a:tc>
-                <a:tc>
-                  <a:txBody>
-                    <a:bodyPr/>
-                    <a:lstStyle/>
-                    <a:p>
-                      <a:pPr algn="l" fontAlgn="b"/>
-                      <a:r>
-                        <a:rPr lang="en-US" sz="900" u="none" strike="noStrike">
-                          <a:effectLst/>
-                        </a:rPr>
-                        <a:t>1.00</a:t>
-                      </a:r>
-                      <a:endParaRPr lang="en-US" sz="900" b="0" i="0" u="none" strike="noStrike">
-                        <a:solidFill>
-                          <a:srgbClr val="000000"/>
-                        </a:solidFill>
-                        <a:effectLst/>
-                        <a:latin typeface="Calibri" panose="020F0502020204030204" pitchFamily="34" charset="0"/>
-                      </a:endParaRPr>
-                    </a:p>
-                  </a:txBody>
-                  <a:tcPr marL="351472" marR="7810" marT="7810" marB="0" anchor="b"/>
-                </a:tc>
-                <a:tc>
-                  <a:txBody>
-                    <a:bodyPr/>
-                    <a:lstStyle/>
-                    <a:p>
-                      <a:pPr algn="r" fontAlgn="b"/>
-                      <a:r>
-                        <a:rPr lang="en-US" sz="900" u="none" strike="noStrike">
-                          <a:effectLst/>
-                        </a:rPr>
-                        <a:t>1.14</a:t>
-                      </a:r>
-                      <a:endParaRPr lang="en-US" sz="900" b="0" i="0" u="none" strike="noStrike">
-                        <a:solidFill>
-                          <a:srgbClr val="000000"/>
-                        </a:solidFill>
-                        <a:effectLst/>
-                        <a:latin typeface="Calibri" panose="020F0502020204030204" pitchFamily="34" charset="0"/>
-                      </a:endParaRPr>
-                    </a:p>
-                  </a:txBody>
-                  <a:tcPr marL="7810" marR="7810" marT="7810" marB="0" anchor="b"/>
-                </a:tc>
-                <a:tc>
-                  <a:txBody>
-                    <a:bodyPr/>
-                    <a:lstStyle/>
-                    <a:p>
-                      <a:pPr algn="r" fontAlgn="b"/>
-                      <a:r>
-                        <a:rPr lang="en-US" sz="900" u="none" strike="noStrike">
-                          <a:effectLst/>
-                        </a:rPr>
-                        <a:t>1.29</a:t>
-                      </a:r>
-                      <a:endParaRPr lang="en-US" sz="900" b="0" i="0" u="none" strike="noStrike">
-                        <a:solidFill>
-                          <a:srgbClr val="000000"/>
-                        </a:solidFill>
-                        <a:effectLst/>
-                        <a:latin typeface="Calibri" panose="020F0502020204030204" pitchFamily="34" charset="0"/>
-                      </a:endParaRPr>
-                    </a:p>
-                  </a:txBody>
-                  <a:tcPr marL="7810" marR="7810" marT="7810" marB="0" anchor="b"/>
-                </a:tc>
-                <a:tc>
-                  <a:txBody>
-                    <a:bodyPr/>
-                    <a:lstStyle/>
-                    <a:p>
-                      <a:pPr algn="r" fontAlgn="b"/>
-                      <a:r>
-                        <a:rPr lang="en-US" sz="900" u="none" strike="noStrike">
-                          <a:effectLst/>
-                        </a:rPr>
-                        <a:t>1.60</a:t>
-                      </a:r>
-                      <a:endParaRPr lang="en-US" sz="900" b="0" i="0" u="none" strike="noStrike">
-                        <a:solidFill>
-                          <a:srgbClr val="000000"/>
-                        </a:solidFill>
-                        <a:effectLst/>
-                        <a:latin typeface="Calibri" panose="020F0502020204030204" pitchFamily="34" charset="0"/>
-                      </a:endParaRPr>
-                    </a:p>
-                  </a:txBody>
-                  <a:tcPr marL="7810" marR="7810" marT="7810" marB="0" anchor="b"/>
-                </a:tc>
-                <a:extLst>
-                  <a:ext uri="{0D108BD9-81ED-4DB2-BD59-A6C34878D82A}">
-                    <a16:rowId xmlns:a16="http://schemas.microsoft.com/office/drawing/2014/main" val="1052712406"/>
-                  </a:ext>
-                </a:extLst>
-              </a:tr>
-              <a:tr h="195453">
-                <a:tc>
-                  <a:txBody>
-                    <a:bodyPr/>
-                    <a:lstStyle/>
-                    <a:p>
-                      <a:pPr algn="l" fontAlgn="b"/>
-                      <a:r>
-                        <a:rPr lang="en-US" sz="900" u="none" strike="noStrike">
-                          <a:effectLst/>
-                        </a:rPr>
-                        <a:t>Hardware Attributes</a:t>
-                      </a:r>
-                      <a:endParaRPr lang="en-US" sz="900" b="1" i="0" u="none" strike="noStrike">
-                        <a:solidFill>
-                          <a:srgbClr val="000000"/>
-                        </a:solidFill>
-                        <a:effectLst/>
-                        <a:latin typeface="Calibri" panose="020F0502020204030204" pitchFamily="34" charset="0"/>
-                      </a:endParaRPr>
-                    </a:p>
-                  </a:txBody>
-                  <a:tcPr marL="7810" marR="7810" marT="7810" marB="0" anchor="b"/>
-                </a:tc>
-                <a:tc>
-                  <a:txBody>
-                    <a:bodyPr/>
-                    <a:lstStyle/>
-                    <a:p>
-                      <a:pPr algn="l" fontAlgn="b"/>
-                      <a:endParaRPr lang="en-US" sz="900" b="0" i="0" u="none" strike="noStrike">
-                        <a:solidFill>
-                          <a:srgbClr val="000000"/>
-                        </a:solidFill>
-                        <a:effectLst/>
-                        <a:latin typeface="Calibri" panose="020F0502020204030204" pitchFamily="34" charset="0"/>
-                      </a:endParaRPr>
-                    </a:p>
-                  </a:txBody>
-                  <a:tcPr marL="7810" marR="7810" marT="7810" marB="0" anchor="b"/>
-                </a:tc>
-                <a:tc>
-                  <a:txBody>
-                    <a:bodyPr/>
-                    <a:lstStyle/>
-                    <a:p>
-                      <a:pPr algn="l" fontAlgn="b"/>
-                      <a:endParaRPr lang="en-US" sz="900" b="0" i="0" u="none" strike="noStrike">
-                        <a:solidFill>
-                          <a:srgbClr val="000000"/>
-                        </a:solidFill>
-                        <a:effectLst/>
-                        <a:latin typeface="Calibri" panose="020F0502020204030204" pitchFamily="34" charset="0"/>
-                      </a:endParaRPr>
-                    </a:p>
-                  </a:txBody>
-                  <a:tcPr marL="7810" marR="7810" marT="7810" marB="0" anchor="b"/>
-                </a:tc>
-                <a:tc>
-                  <a:txBody>
-                    <a:bodyPr/>
-                    <a:lstStyle/>
-                    <a:p>
-                      <a:pPr algn="l" fontAlgn="b"/>
-                      <a:endParaRPr lang="en-US" sz="900" b="0" i="0" u="none" strike="noStrike">
-                        <a:solidFill>
-                          <a:srgbClr val="000000"/>
-                        </a:solidFill>
-                        <a:effectLst/>
-                        <a:latin typeface="Calibri" panose="020F0502020204030204" pitchFamily="34" charset="0"/>
-                      </a:endParaRPr>
-                    </a:p>
-                  </a:txBody>
-                  <a:tcPr marL="351472" marR="7810" marT="7810" marB="0" anchor="b"/>
-                </a:tc>
-                <a:tc>
-                  <a:txBody>
-                    <a:bodyPr/>
-                    <a:lstStyle/>
-                    <a:p>
-                      <a:pPr algn="l" fontAlgn="b"/>
-                      <a:endParaRPr lang="en-US" sz="900" b="0" i="0" u="none" strike="noStrike">
-                        <a:solidFill>
-                          <a:srgbClr val="000000"/>
-                        </a:solidFill>
-                        <a:effectLst/>
-                        <a:latin typeface="Calibri" panose="020F0502020204030204" pitchFamily="34" charset="0"/>
-                      </a:endParaRPr>
-                    </a:p>
-                  </a:txBody>
-                  <a:tcPr marL="7810" marR="7810" marT="7810" marB="0" anchor="b"/>
-                </a:tc>
-                <a:tc>
-                  <a:txBody>
-                    <a:bodyPr/>
-                    <a:lstStyle/>
-                    <a:p>
-                      <a:pPr algn="l" fontAlgn="b"/>
-                      <a:endParaRPr lang="en-US" sz="900" b="0" i="0" u="none" strike="noStrike">
-                        <a:solidFill>
-                          <a:srgbClr val="000000"/>
-                        </a:solidFill>
-                        <a:effectLst/>
-                        <a:latin typeface="Calibri" panose="020F0502020204030204" pitchFamily="34" charset="0"/>
-                      </a:endParaRPr>
-                    </a:p>
-                  </a:txBody>
-                  <a:tcPr marL="7810" marR="7810" marT="7810" marB="0" anchor="b"/>
-                </a:tc>
-                <a:tc>
-                  <a:txBody>
-                    <a:bodyPr/>
-                    <a:lstStyle/>
-                    <a:p>
-                      <a:pPr algn="l" fontAlgn="b"/>
-                      <a:endParaRPr lang="en-US" sz="900" b="0" i="0" u="none" strike="noStrike">
-                        <a:solidFill>
-                          <a:srgbClr val="000000"/>
-                        </a:solidFill>
-                        <a:effectLst/>
-                        <a:latin typeface="Calibri" panose="020F0502020204030204" pitchFamily="34" charset="0"/>
-                      </a:endParaRPr>
-                    </a:p>
-                  </a:txBody>
-                  <a:tcPr marL="7810" marR="7810" marT="7810" marB="0" anchor="b"/>
-                </a:tc>
-                <a:extLst>
-                  <a:ext uri="{0D108BD9-81ED-4DB2-BD59-A6C34878D82A}">
-                    <a16:rowId xmlns:a16="http://schemas.microsoft.com/office/drawing/2014/main" val="1697682399"/>
-                  </a:ext>
-                </a:extLst>
-              </a:tr>
-              <a:tr h="195453">
-                <a:tc>
-                  <a:txBody>
-                    <a:bodyPr/>
-                    <a:lstStyle/>
-                    <a:p>
-                      <a:pPr algn="l" fontAlgn="b"/>
-                      <a:r>
-                        <a:rPr lang="en-US" sz="900" u="none" strike="noStrike">
-                          <a:effectLst/>
-                        </a:rPr>
-                        <a:t>Run Time Constraints</a:t>
-                      </a:r>
-                      <a:endParaRPr lang="en-US" sz="900" b="0" i="0" u="none" strike="noStrike">
-                        <a:solidFill>
-                          <a:srgbClr val="000000"/>
-                        </a:solidFill>
-                        <a:effectLst/>
-                        <a:latin typeface="Calibri" panose="020F0502020204030204" pitchFamily="34" charset="0"/>
-                      </a:endParaRPr>
-                    </a:p>
-                  </a:txBody>
-                  <a:tcPr marL="7810" marR="7810" marT="7810" marB="0" anchor="b"/>
-                </a:tc>
-                <a:tc>
-                  <a:txBody>
-                    <a:bodyPr/>
-                    <a:lstStyle/>
-                    <a:p>
-                      <a:pPr algn="l" fontAlgn="b"/>
-                      <a:endParaRPr lang="en-US" sz="900" b="0" i="0" u="none" strike="noStrike">
-                        <a:solidFill>
-                          <a:srgbClr val="000000"/>
-                        </a:solidFill>
-                        <a:effectLst/>
-                        <a:latin typeface="Calibri" panose="020F0502020204030204" pitchFamily="34" charset="0"/>
-                      </a:endParaRPr>
-                    </a:p>
-                  </a:txBody>
-                  <a:tcPr marL="7810" marR="7810" marT="7810" marB="0" anchor="b"/>
-                </a:tc>
-                <a:tc>
-                  <a:txBody>
-                    <a:bodyPr/>
-                    <a:lstStyle/>
-                    <a:p>
-                      <a:pPr algn="l" fontAlgn="b"/>
-                      <a:endParaRPr lang="en-US" sz="900" b="0" i="0" u="none" strike="noStrike">
-                        <a:solidFill>
-                          <a:srgbClr val="000000"/>
-                        </a:solidFill>
-                        <a:effectLst/>
-                        <a:latin typeface="Calibri" panose="020F0502020204030204" pitchFamily="34" charset="0"/>
-                      </a:endParaRPr>
-                    </a:p>
-                  </a:txBody>
-                  <a:tcPr marL="7810" marR="7810" marT="7810" marB="0" anchor="b"/>
-                </a:tc>
-                <a:tc>
-                  <a:txBody>
-                    <a:bodyPr/>
-                    <a:lstStyle/>
-                    <a:p>
-                      <a:pPr algn="l" fontAlgn="b"/>
-                      <a:r>
-                        <a:rPr lang="en-US" sz="900" u="none" strike="noStrike">
-                          <a:effectLst/>
-                        </a:rPr>
-                        <a:t>1.00</a:t>
-                      </a:r>
-                      <a:endParaRPr lang="en-US" sz="900" b="0" i="0" u="none" strike="noStrike">
-                        <a:solidFill>
-                          <a:srgbClr val="000000"/>
-                        </a:solidFill>
-                        <a:effectLst/>
-                        <a:latin typeface="Calibri" panose="020F0502020204030204" pitchFamily="34" charset="0"/>
-                      </a:endParaRPr>
-                    </a:p>
-                  </a:txBody>
-                  <a:tcPr marL="351472" marR="7810" marT="7810" marB="0" anchor="b"/>
-                </a:tc>
-                <a:tc>
-                  <a:txBody>
-                    <a:bodyPr/>
-                    <a:lstStyle/>
-                    <a:p>
-                      <a:pPr algn="r" fontAlgn="b"/>
-                      <a:r>
-                        <a:rPr lang="en-US" sz="900" u="none" strike="noStrike">
-                          <a:effectLst/>
-                        </a:rPr>
-                        <a:t>1.14</a:t>
-                      </a:r>
-                      <a:endParaRPr lang="en-US" sz="900" b="0" i="0" u="none" strike="noStrike">
-                        <a:solidFill>
-                          <a:srgbClr val="000000"/>
-                        </a:solidFill>
-                        <a:effectLst/>
-                        <a:latin typeface="Calibri" panose="020F0502020204030204" pitchFamily="34" charset="0"/>
-                      </a:endParaRPr>
-                    </a:p>
-                  </a:txBody>
-                  <a:tcPr marL="7810" marR="7810" marT="7810" marB="0" anchor="b"/>
-                </a:tc>
-                <a:tc>
-                  <a:txBody>
-                    <a:bodyPr/>
-                    <a:lstStyle/>
-                    <a:p>
-                      <a:pPr algn="r" fontAlgn="b"/>
-                      <a:r>
-                        <a:rPr lang="en-US" sz="900" u="none" strike="noStrike">
-                          <a:effectLst/>
-                        </a:rPr>
-                        <a:t>1.29</a:t>
-                      </a:r>
-                      <a:endParaRPr lang="en-US" sz="900" b="0" i="0" u="none" strike="noStrike">
-                        <a:solidFill>
-                          <a:srgbClr val="000000"/>
-                        </a:solidFill>
-                        <a:effectLst/>
-                        <a:latin typeface="Calibri" panose="020F0502020204030204" pitchFamily="34" charset="0"/>
-                      </a:endParaRPr>
-                    </a:p>
-                  </a:txBody>
-                  <a:tcPr marL="7810" marR="7810" marT="7810" marB="0" anchor="b"/>
-                </a:tc>
-                <a:tc>
-                  <a:txBody>
-                    <a:bodyPr/>
-                    <a:lstStyle/>
-                    <a:p>
-                      <a:pPr algn="r" fontAlgn="b"/>
-                      <a:r>
-                        <a:rPr lang="en-US" sz="900" u="none" strike="noStrike">
-                          <a:effectLst/>
-                        </a:rPr>
-                        <a:t>1.66</a:t>
-                      </a:r>
-                      <a:endParaRPr lang="en-US" sz="900" b="0" i="0" u="none" strike="noStrike">
-                        <a:solidFill>
-                          <a:srgbClr val="000000"/>
-                        </a:solidFill>
-                        <a:effectLst/>
-                        <a:latin typeface="Calibri" panose="020F0502020204030204" pitchFamily="34" charset="0"/>
-                      </a:endParaRPr>
-                    </a:p>
-                  </a:txBody>
-                  <a:tcPr marL="7810" marR="7810" marT="7810" marB="0" anchor="b"/>
-                </a:tc>
-                <a:extLst>
-                  <a:ext uri="{0D108BD9-81ED-4DB2-BD59-A6C34878D82A}">
-                    <a16:rowId xmlns:a16="http://schemas.microsoft.com/office/drawing/2014/main" val="3848800338"/>
-                  </a:ext>
-                </a:extLst>
-              </a:tr>
-              <a:tr h="195453">
-                <a:tc>
-                  <a:txBody>
-                    <a:bodyPr/>
-                    <a:lstStyle/>
-                    <a:p>
-                      <a:pPr algn="l" fontAlgn="b"/>
-                      <a:r>
-                        <a:rPr lang="en-US" sz="900" u="none" strike="noStrike">
-                          <a:effectLst/>
-                        </a:rPr>
-                        <a:t>Memory Constraints</a:t>
-                      </a:r>
-                      <a:endParaRPr lang="en-US" sz="900" b="0" i="0" u="none" strike="noStrike">
-                        <a:solidFill>
-                          <a:srgbClr val="000000"/>
-                        </a:solidFill>
-                        <a:effectLst/>
-                        <a:latin typeface="Calibri" panose="020F0502020204030204" pitchFamily="34" charset="0"/>
-                      </a:endParaRPr>
-                    </a:p>
-                  </a:txBody>
-                  <a:tcPr marL="7810" marR="7810" marT="7810" marB="0" anchor="b"/>
-                </a:tc>
-                <a:tc>
-                  <a:txBody>
-                    <a:bodyPr/>
-                    <a:lstStyle/>
-                    <a:p>
-                      <a:pPr algn="l" fontAlgn="b"/>
-                      <a:endParaRPr lang="en-US" sz="900" b="0" i="0" u="none" strike="noStrike">
-                        <a:solidFill>
-                          <a:srgbClr val="000000"/>
-                        </a:solidFill>
-                        <a:effectLst/>
-                        <a:latin typeface="Calibri" panose="020F0502020204030204" pitchFamily="34" charset="0"/>
-                      </a:endParaRPr>
-                    </a:p>
-                  </a:txBody>
-                  <a:tcPr marL="7810" marR="7810" marT="7810" marB="0" anchor="b"/>
-                </a:tc>
-                <a:tc>
-                  <a:txBody>
-                    <a:bodyPr/>
-                    <a:lstStyle/>
-                    <a:p>
-                      <a:pPr algn="l" fontAlgn="b"/>
-                      <a:endParaRPr lang="en-US" sz="900" b="0" i="0" u="none" strike="noStrike">
-                        <a:solidFill>
-                          <a:srgbClr val="000000"/>
-                        </a:solidFill>
-                        <a:effectLst/>
-                        <a:latin typeface="Calibri" panose="020F0502020204030204" pitchFamily="34" charset="0"/>
-                      </a:endParaRPr>
-                    </a:p>
-                  </a:txBody>
-                  <a:tcPr marL="7810" marR="7810" marT="7810" marB="0" anchor="b"/>
-                </a:tc>
-                <a:tc>
-                  <a:txBody>
-                    <a:bodyPr/>
-                    <a:lstStyle/>
-                    <a:p>
-                      <a:pPr algn="l" fontAlgn="b"/>
-                      <a:r>
-                        <a:rPr lang="en-US" sz="900" u="none" strike="noStrike">
-                          <a:effectLst/>
-                        </a:rPr>
-                        <a:t>1.00</a:t>
-                      </a:r>
-                      <a:endParaRPr lang="en-US" sz="900" b="0" i="0" u="none" strike="noStrike">
-                        <a:solidFill>
-                          <a:srgbClr val="000000"/>
-                        </a:solidFill>
-                        <a:effectLst/>
-                        <a:latin typeface="Calibri" panose="020F0502020204030204" pitchFamily="34" charset="0"/>
-                      </a:endParaRPr>
-                    </a:p>
-                  </a:txBody>
-                  <a:tcPr marL="351472" marR="7810" marT="7810" marB="0" anchor="b"/>
-                </a:tc>
-                <a:tc>
-                  <a:txBody>
-                    <a:bodyPr/>
-                    <a:lstStyle/>
-                    <a:p>
-                      <a:pPr algn="r" fontAlgn="b"/>
-                      <a:r>
-                        <a:rPr lang="en-US" sz="900" u="none" strike="noStrike">
-                          <a:effectLst/>
-                        </a:rPr>
-                        <a:t>1.10</a:t>
-                      </a:r>
-                      <a:endParaRPr lang="en-US" sz="900" b="0" i="0" u="none" strike="noStrike">
-                        <a:solidFill>
-                          <a:srgbClr val="000000"/>
-                        </a:solidFill>
-                        <a:effectLst/>
-                        <a:latin typeface="Calibri" panose="020F0502020204030204" pitchFamily="34" charset="0"/>
-                      </a:endParaRPr>
-                    </a:p>
-                  </a:txBody>
-                  <a:tcPr marL="7810" marR="7810" marT="7810" marB="0" anchor="b"/>
-                </a:tc>
-                <a:tc>
-                  <a:txBody>
-                    <a:bodyPr/>
-                    <a:lstStyle/>
-                    <a:p>
-                      <a:pPr algn="r" fontAlgn="b"/>
-                      <a:r>
-                        <a:rPr lang="en-US" sz="900" u="none" strike="noStrike">
-                          <a:effectLst/>
-                        </a:rPr>
-                        <a:t>1.30</a:t>
-                      </a:r>
-                      <a:endParaRPr lang="en-US" sz="900" b="0" i="0" u="none" strike="noStrike">
-                        <a:solidFill>
-                          <a:srgbClr val="000000"/>
-                        </a:solidFill>
-                        <a:effectLst/>
-                        <a:latin typeface="Calibri" panose="020F0502020204030204" pitchFamily="34" charset="0"/>
-                      </a:endParaRPr>
-                    </a:p>
-                  </a:txBody>
-                  <a:tcPr marL="7810" marR="7810" marT="7810" marB="0" anchor="b"/>
-                </a:tc>
-                <a:tc>
-                  <a:txBody>
-                    <a:bodyPr/>
-                    <a:lstStyle/>
-                    <a:p>
-                      <a:pPr algn="r" fontAlgn="b"/>
-                      <a:r>
-                        <a:rPr lang="en-US" sz="900" u="none" strike="noStrike">
-                          <a:effectLst/>
-                        </a:rPr>
-                        <a:t>1.65</a:t>
-                      </a:r>
-                      <a:endParaRPr lang="en-US" sz="900" b="0" i="0" u="none" strike="noStrike">
-                        <a:solidFill>
-                          <a:srgbClr val="000000"/>
-                        </a:solidFill>
-                        <a:effectLst/>
-                        <a:latin typeface="Calibri" panose="020F0502020204030204" pitchFamily="34" charset="0"/>
-                      </a:endParaRPr>
-                    </a:p>
-                  </a:txBody>
-                  <a:tcPr marL="7810" marR="7810" marT="7810" marB="0" anchor="b"/>
-                </a:tc>
-                <a:extLst>
-                  <a:ext uri="{0D108BD9-81ED-4DB2-BD59-A6C34878D82A}">
-                    <a16:rowId xmlns:a16="http://schemas.microsoft.com/office/drawing/2014/main" val="755844789"/>
-                  </a:ext>
-                </a:extLst>
-              </a:tr>
-              <a:tr h="195453">
-                <a:tc>
-                  <a:txBody>
-                    <a:bodyPr/>
-                    <a:lstStyle/>
-                    <a:p>
-                      <a:pPr algn="l" fontAlgn="b"/>
-                      <a:r>
-                        <a:rPr lang="en-US" sz="900" u="none" strike="noStrike">
-                          <a:effectLst/>
-                        </a:rPr>
-                        <a:t>Virtual Machine Volatility</a:t>
-                      </a:r>
-                      <a:endParaRPr lang="en-US" sz="900" b="0" i="0" u="none" strike="noStrike">
-                        <a:solidFill>
-                          <a:srgbClr val="000000"/>
-                        </a:solidFill>
-                        <a:effectLst/>
-                        <a:latin typeface="Calibri" panose="020F0502020204030204" pitchFamily="34" charset="0"/>
-                      </a:endParaRPr>
-                    </a:p>
-                  </a:txBody>
-                  <a:tcPr marL="7810" marR="7810" marT="7810" marB="0" anchor="b"/>
-                </a:tc>
-                <a:tc>
-                  <a:txBody>
-                    <a:bodyPr/>
-                    <a:lstStyle/>
-                    <a:p>
-                      <a:pPr algn="l" fontAlgn="b"/>
-                      <a:endParaRPr lang="en-US" sz="900" b="0" i="0" u="none" strike="noStrike">
-                        <a:solidFill>
-                          <a:srgbClr val="000000"/>
-                        </a:solidFill>
-                        <a:effectLst/>
-                        <a:latin typeface="Calibri" panose="020F0502020204030204" pitchFamily="34" charset="0"/>
-                      </a:endParaRPr>
-                    </a:p>
-                  </a:txBody>
-                  <a:tcPr marL="7810" marR="7810" marT="7810" marB="0" anchor="b"/>
-                </a:tc>
-                <a:tc>
-                  <a:txBody>
-                    <a:bodyPr/>
-                    <a:lstStyle/>
-                    <a:p>
-                      <a:pPr algn="r" fontAlgn="b"/>
-                      <a:r>
-                        <a:rPr lang="en-US" sz="900" u="none" strike="noStrike">
-                          <a:effectLst/>
-                        </a:rPr>
-                        <a:t>0.85</a:t>
-                      </a:r>
-                      <a:endParaRPr lang="en-US" sz="900" b="0" i="0" u="none" strike="noStrike">
-                        <a:solidFill>
-                          <a:srgbClr val="000000"/>
-                        </a:solidFill>
-                        <a:effectLst/>
-                        <a:latin typeface="Calibri" panose="020F0502020204030204" pitchFamily="34" charset="0"/>
-                      </a:endParaRPr>
-                    </a:p>
-                  </a:txBody>
-                  <a:tcPr marL="7810" marR="7810" marT="7810" marB="0" anchor="b"/>
-                </a:tc>
-                <a:tc>
-                  <a:txBody>
-                    <a:bodyPr/>
-                    <a:lstStyle/>
-                    <a:p>
-                      <a:pPr algn="l" fontAlgn="b"/>
-                      <a:r>
-                        <a:rPr lang="en-US" sz="900" u="none" strike="noStrike">
-                          <a:effectLst/>
-                        </a:rPr>
-                        <a:t>1.00</a:t>
-                      </a:r>
-                      <a:endParaRPr lang="en-US" sz="900" b="0" i="0" u="none" strike="noStrike">
-                        <a:solidFill>
-                          <a:srgbClr val="000000"/>
-                        </a:solidFill>
-                        <a:effectLst/>
-                        <a:latin typeface="Calibri" panose="020F0502020204030204" pitchFamily="34" charset="0"/>
-                      </a:endParaRPr>
-                    </a:p>
-                  </a:txBody>
-                  <a:tcPr marL="351472" marR="7810" marT="7810" marB="0" anchor="b"/>
-                </a:tc>
-                <a:tc>
-                  <a:txBody>
-                    <a:bodyPr/>
-                    <a:lstStyle/>
-                    <a:p>
-                      <a:pPr algn="r" fontAlgn="b"/>
-                      <a:r>
-                        <a:rPr lang="en-US" sz="900" u="none" strike="noStrike">
-                          <a:effectLst/>
-                        </a:rPr>
-                        <a:t>1.07</a:t>
-                      </a:r>
-                      <a:endParaRPr lang="en-US" sz="900" b="0" i="0" u="none" strike="noStrike">
-                        <a:solidFill>
-                          <a:srgbClr val="000000"/>
-                        </a:solidFill>
-                        <a:effectLst/>
-                        <a:latin typeface="Calibri" panose="020F0502020204030204" pitchFamily="34" charset="0"/>
-                      </a:endParaRPr>
-                    </a:p>
-                  </a:txBody>
-                  <a:tcPr marL="7810" marR="7810" marT="7810" marB="0" anchor="b"/>
-                </a:tc>
-                <a:tc>
-                  <a:txBody>
-                    <a:bodyPr/>
-                    <a:lstStyle/>
-                    <a:p>
-                      <a:pPr algn="r" fontAlgn="b"/>
-                      <a:r>
-                        <a:rPr lang="en-US" sz="900" u="none" strike="noStrike">
-                          <a:effectLst/>
-                        </a:rPr>
-                        <a:t>1.15</a:t>
-                      </a:r>
-                      <a:endParaRPr lang="en-US" sz="900" b="0" i="0" u="none" strike="noStrike">
-                        <a:solidFill>
-                          <a:srgbClr val="000000"/>
-                        </a:solidFill>
-                        <a:effectLst/>
-                        <a:latin typeface="Calibri" panose="020F0502020204030204" pitchFamily="34" charset="0"/>
-                      </a:endParaRPr>
-                    </a:p>
-                  </a:txBody>
-                  <a:tcPr marL="7810" marR="7810" marT="7810" marB="0" anchor="b"/>
-                </a:tc>
-                <a:tc>
-                  <a:txBody>
-                    <a:bodyPr/>
-                    <a:lstStyle/>
-                    <a:p>
-                      <a:pPr algn="l" fontAlgn="b"/>
-                      <a:endParaRPr lang="en-US" sz="900" b="0" i="0" u="none" strike="noStrike">
-                        <a:solidFill>
-                          <a:srgbClr val="000000"/>
-                        </a:solidFill>
-                        <a:effectLst/>
-                        <a:latin typeface="Calibri" panose="020F0502020204030204" pitchFamily="34" charset="0"/>
-                      </a:endParaRPr>
-                    </a:p>
-                  </a:txBody>
-                  <a:tcPr marL="7810" marR="7810" marT="7810" marB="0" anchor="b"/>
-                </a:tc>
-                <a:extLst>
-                  <a:ext uri="{0D108BD9-81ED-4DB2-BD59-A6C34878D82A}">
-                    <a16:rowId xmlns:a16="http://schemas.microsoft.com/office/drawing/2014/main" val="27513973"/>
-                  </a:ext>
-                </a:extLst>
-              </a:tr>
-              <a:tr h="195453">
-                <a:tc>
-                  <a:txBody>
-                    <a:bodyPr/>
-                    <a:lstStyle/>
-                    <a:p>
-                      <a:pPr algn="l" fontAlgn="b"/>
-                      <a:r>
-                        <a:rPr lang="en-US" sz="900" u="none" strike="noStrike">
-                          <a:effectLst/>
-                        </a:rPr>
-                        <a:t>Turnaround Time</a:t>
-                      </a:r>
-                      <a:endParaRPr lang="en-US" sz="900" b="0" i="0" u="none" strike="noStrike">
-                        <a:solidFill>
-                          <a:srgbClr val="000000"/>
-                        </a:solidFill>
-                        <a:effectLst/>
-                        <a:latin typeface="Calibri" panose="020F0502020204030204" pitchFamily="34" charset="0"/>
-                      </a:endParaRPr>
-                    </a:p>
-                  </a:txBody>
-                  <a:tcPr marL="7810" marR="7810" marT="7810" marB="0" anchor="b"/>
-                </a:tc>
-                <a:tc>
-                  <a:txBody>
-                    <a:bodyPr/>
-                    <a:lstStyle/>
-                    <a:p>
-                      <a:pPr algn="l" fontAlgn="b"/>
-                      <a:endParaRPr lang="en-US" sz="900" b="0" i="0" u="none" strike="noStrike">
-                        <a:solidFill>
-                          <a:srgbClr val="000000"/>
-                        </a:solidFill>
-                        <a:effectLst/>
-                        <a:latin typeface="Calibri" panose="020F0502020204030204" pitchFamily="34" charset="0"/>
-                      </a:endParaRPr>
-                    </a:p>
-                  </a:txBody>
-                  <a:tcPr marL="7810" marR="7810" marT="7810" marB="0" anchor="b"/>
-                </a:tc>
-                <a:tc>
-                  <a:txBody>
-                    <a:bodyPr/>
-                    <a:lstStyle/>
-                    <a:p>
-                      <a:pPr algn="r" fontAlgn="b"/>
-                      <a:r>
-                        <a:rPr lang="en-US" sz="900" u="none" strike="noStrike">
-                          <a:effectLst/>
-                        </a:rPr>
-                        <a:t>0.85</a:t>
-                      </a:r>
-                      <a:endParaRPr lang="en-US" sz="900" b="0" i="0" u="none" strike="noStrike">
-                        <a:solidFill>
-                          <a:srgbClr val="000000"/>
-                        </a:solidFill>
-                        <a:effectLst/>
-                        <a:latin typeface="Calibri" panose="020F0502020204030204" pitchFamily="34" charset="0"/>
-                      </a:endParaRPr>
-                    </a:p>
-                  </a:txBody>
-                  <a:tcPr marL="7810" marR="7810" marT="7810" marB="0" anchor="b"/>
-                </a:tc>
-                <a:tc>
-                  <a:txBody>
-                    <a:bodyPr/>
-                    <a:lstStyle/>
-                    <a:p>
-                      <a:pPr algn="l" fontAlgn="b"/>
-                      <a:r>
-                        <a:rPr lang="en-US" sz="900" u="none" strike="noStrike">
-                          <a:effectLst/>
-                        </a:rPr>
-                        <a:t>1.00</a:t>
-                      </a:r>
-                      <a:endParaRPr lang="en-US" sz="900" b="0" i="0" u="none" strike="noStrike">
-                        <a:solidFill>
-                          <a:srgbClr val="000000"/>
-                        </a:solidFill>
-                        <a:effectLst/>
-                        <a:latin typeface="Calibri" panose="020F0502020204030204" pitchFamily="34" charset="0"/>
-                      </a:endParaRPr>
-                    </a:p>
-                  </a:txBody>
-                  <a:tcPr marL="351472" marR="7810" marT="7810" marB="0" anchor="b"/>
-                </a:tc>
-                <a:tc>
-                  <a:txBody>
-                    <a:bodyPr/>
-                    <a:lstStyle/>
-                    <a:p>
-                      <a:pPr algn="r" fontAlgn="b"/>
-                      <a:r>
-                        <a:rPr lang="en-US" sz="900" u="none" strike="noStrike">
-                          <a:effectLst/>
-                        </a:rPr>
-                        <a:t>1.08</a:t>
-                      </a:r>
-                      <a:endParaRPr lang="en-US" sz="900" b="0" i="0" u="none" strike="noStrike">
-                        <a:solidFill>
-                          <a:srgbClr val="000000"/>
-                        </a:solidFill>
-                        <a:effectLst/>
-                        <a:latin typeface="Calibri" panose="020F0502020204030204" pitchFamily="34" charset="0"/>
-                      </a:endParaRPr>
-                    </a:p>
-                  </a:txBody>
-                  <a:tcPr marL="7810" marR="7810" marT="7810" marB="0" anchor="b"/>
-                </a:tc>
-                <a:tc>
-                  <a:txBody>
-                    <a:bodyPr/>
-                    <a:lstStyle/>
-                    <a:p>
-                      <a:pPr algn="r" fontAlgn="b"/>
-                      <a:r>
-                        <a:rPr lang="en-US" sz="900" u="none" strike="noStrike">
-                          <a:effectLst/>
-                        </a:rPr>
-                        <a:t>1.20</a:t>
-                      </a:r>
-                      <a:endParaRPr lang="en-US" sz="900" b="0" i="0" u="none" strike="noStrike">
-                        <a:solidFill>
-                          <a:srgbClr val="000000"/>
-                        </a:solidFill>
-                        <a:effectLst/>
-                        <a:latin typeface="Calibri" panose="020F0502020204030204" pitchFamily="34" charset="0"/>
-                      </a:endParaRPr>
-                    </a:p>
-                  </a:txBody>
-                  <a:tcPr marL="7810" marR="7810" marT="7810" marB="0" anchor="b"/>
-                </a:tc>
-                <a:tc>
-                  <a:txBody>
-                    <a:bodyPr/>
-                    <a:lstStyle/>
-                    <a:p>
-                      <a:pPr algn="l" fontAlgn="b"/>
-                      <a:endParaRPr lang="en-US" sz="900" b="0" i="0" u="none" strike="noStrike">
-                        <a:solidFill>
-                          <a:srgbClr val="000000"/>
-                        </a:solidFill>
-                        <a:effectLst/>
-                        <a:latin typeface="Calibri" panose="020F0502020204030204" pitchFamily="34" charset="0"/>
-                      </a:endParaRPr>
-                    </a:p>
-                  </a:txBody>
-                  <a:tcPr marL="7810" marR="7810" marT="7810" marB="0" anchor="b"/>
-                </a:tc>
-                <a:extLst>
-                  <a:ext uri="{0D108BD9-81ED-4DB2-BD59-A6C34878D82A}">
-                    <a16:rowId xmlns:a16="http://schemas.microsoft.com/office/drawing/2014/main" val="3673623327"/>
-                  </a:ext>
-                </a:extLst>
-              </a:tr>
-              <a:tr h="195453">
-                <a:tc>
-                  <a:txBody>
-                    <a:bodyPr/>
-                    <a:lstStyle/>
-                    <a:p>
-                      <a:pPr algn="l" fontAlgn="b"/>
-                      <a:r>
-                        <a:rPr lang="en-US" sz="900" u="none" strike="noStrike">
-                          <a:effectLst/>
-                        </a:rPr>
-                        <a:t>Personnel Attributes</a:t>
-                      </a:r>
-                      <a:endParaRPr lang="en-US" sz="900" b="1" i="0" u="none" strike="noStrike">
-                        <a:solidFill>
-                          <a:srgbClr val="000000"/>
-                        </a:solidFill>
-                        <a:effectLst/>
-                        <a:latin typeface="Calibri" panose="020F0502020204030204" pitchFamily="34" charset="0"/>
-                      </a:endParaRPr>
-                    </a:p>
-                  </a:txBody>
-                  <a:tcPr marL="7810" marR="7810" marT="7810" marB="0" anchor="b"/>
-                </a:tc>
-                <a:tc>
-                  <a:txBody>
-                    <a:bodyPr/>
-                    <a:lstStyle/>
-                    <a:p>
-                      <a:pPr algn="l" fontAlgn="b"/>
-                      <a:endParaRPr lang="en-US" sz="900" b="0" i="0" u="none" strike="noStrike">
-                        <a:solidFill>
-                          <a:srgbClr val="000000"/>
-                        </a:solidFill>
-                        <a:effectLst/>
-                        <a:latin typeface="Calibri" panose="020F0502020204030204" pitchFamily="34" charset="0"/>
-                      </a:endParaRPr>
-                    </a:p>
-                  </a:txBody>
-                  <a:tcPr marL="7810" marR="7810" marT="7810" marB="0" anchor="b"/>
-                </a:tc>
-                <a:tc>
-                  <a:txBody>
-                    <a:bodyPr/>
-                    <a:lstStyle/>
-                    <a:p>
-                      <a:pPr algn="l" fontAlgn="b"/>
-                      <a:endParaRPr lang="en-US" sz="900" b="0" i="0" u="none" strike="noStrike">
-                        <a:solidFill>
-                          <a:srgbClr val="000000"/>
-                        </a:solidFill>
-                        <a:effectLst/>
-                        <a:latin typeface="Calibri" panose="020F0502020204030204" pitchFamily="34" charset="0"/>
-                      </a:endParaRPr>
-                    </a:p>
-                  </a:txBody>
-                  <a:tcPr marL="7810" marR="7810" marT="7810" marB="0" anchor="b"/>
-                </a:tc>
-                <a:tc>
-                  <a:txBody>
-                    <a:bodyPr/>
-                    <a:lstStyle/>
-                    <a:p>
-                      <a:pPr algn="l" fontAlgn="b"/>
-                      <a:endParaRPr lang="en-US" sz="900" b="0" i="0" u="none" strike="noStrike">
-                        <a:solidFill>
-                          <a:srgbClr val="000000"/>
-                        </a:solidFill>
-                        <a:effectLst/>
-                        <a:latin typeface="Calibri" panose="020F0502020204030204" pitchFamily="34" charset="0"/>
-                      </a:endParaRPr>
-                    </a:p>
-                  </a:txBody>
-                  <a:tcPr marL="351472" marR="7810" marT="7810" marB="0" anchor="b"/>
-                </a:tc>
-                <a:tc>
-                  <a:txBody>
-                    <a:bodyPr/>
-                    <a:lstStyle/>
-                    <a:p>
-                      <a:pPr algn="l" fontAlgn="b"/>
-                      <a:endParaRPr lang="en-US" sz="900" b="0" i="0" u="none" strike="noStrike">
-                        <a:solidFill>
-                          <a:srgbClr val="000000"/>
-                        </a:solidFill>
-                        <a:effectLst/>
-                        <a:latin typeface="Calibri" panose="020F0502020204030204" pitchFamily="34" charset="0"/>
-                      </a:endParaRPr>
-                    </a:p>
-                  </a:txBody>
-                  <a:tcPr marL="7810" marR="7810" marT="7810" marB="0" anchor="b"/>
-                </a:tc>
-                <a:tc>
-                  <a:txBody>
-                    <a:bodyPr/>
-                    <a:lstStyle/>
-                    <a:p>
-                      <a:pPr algn="l" fontAlgn="b"/>
-                      <a:endParaRPr lang="en-US" sz="900" b="0" i="0" u="none" strike="noStrike">
-                        <a:solidFill>
-                          <a:srgbClr val="000000"/>
-                        </a:solidFill>
-                        <a:effectLst/>
-                        <a:latin typeface="Calibri" panose="020F0502020204030204" pitchFamily="34" charset="0"/>
-                      </a:endParaRPr>
-                    </a:p>
-                  </a:txBody>
-                  <a:tcPr marL="7810" marR="7810" marT="7810" marB="0" anchor="b"/>
-                </a:tc>
-                <a:tc>
-                  <a:txBody>
-                    <a:bodyPr/>
-                    <a:lstStyle/>
-                    <a:p>
-                      <a:pPr algn="l" fontAlgn="b"/>
-                      <a:endParaRPr lang="en-US" sz="900" b="0" i="0" u="none" strike="noStrike">
-                        <a:solidFill>
-                          <a:srgbClr val="000000"/>
-                        </a:solidFill>
-                        <a:effectLst/>
-                        <a:latin typeface="Calibri" panose="020F0502020204030204" pitchFamily="34" charset="0"/>
-                      </a:endParaRPr>
-                    </a:p>
-                  </a:txBody>
-                  <a:tcPr marL="7810" marR="7810" marT="7810" marB="0" anchor="b"/>
-                </a:tc>
-                <a:extLst>
-                  <a:ext uri="{0D108BD9-81ED-4DB2-BD59-A6C34878D82A}">
-                    <a16:rowId xmlns:a16="http://schemas.microsoft.com/office/drawing/2014/main" val="1933490310"/>
-                  </a:ext>
-                </a:extLst>
-              </a:tr>
-              <a:tr h="195453">
-                <a:tc>
-                  <a:txBody>
-                    <a:bodyPr/>
-                    <a:lstStyle/>
-                    <a:p>
-                      <a:pPr algn="l" fontAlgn="b"/>
-                      <a:r>
-                        <a:rPr lang="en-US" sz="900" u="none" strike="noStrike">
-                          <a:effectLst/>
-                        </a:rPr>
-                        <a:t>Analyst Capability</a:t>
-                      </a:r>
-                      <a:endParaRPr lang="en-US" sz="900" b="0" i="0" u="none" strike="noStrike">
-                        <a:solidFill>
-                          <a:srgbClr val="000000"/>
-                        </a:solidFill>
-                        <a:effectLst/>
-                        <a:latin typeface="Calibri" panose="020F0502020204030204" pitchFamily="34" charset="0"/>
-                      </a:endParaRPr>
-                    </a:p>
-                  </a:txBody>
-                  <a:tcPr marL="7810" marR="7810" marT="7810" marB="0" anchor="b"/>
-                </a:tc>
-                <a:tc>
-                  <a:txBody>
-                    <a:bodyPr/>
-                    <a:lstStyle/>
-                    <a:p>
-                      <a:pPr algn="r" fontAlgn="b"/>
-                      <a:r>
-                        <a:rPr lang="en-US" sz="900" u="none" strike="noStrike">
-                          <a:effectLst/>
-                        </a:rPr>
-                        <a:t>1.45</a:t>
-                      </a:r>
-                      <a:endParaRPr lang="en-US" sz="900" b="0" i="0" u="none" strike="noStrike">
-                        <a:solidFill>
-                          <a:srgbClr val="000000"/>
-                        </a:solidFill>
-                        <a:effectLst/>
-                        <a:latin typeface="Calibri" panose="020F0502020204030204" pitchFamily="34" charset="0"/>
-                      </a:endParaRPr>
-                    </a:p>
-                  </a:txBody>
-                  <a:tcPr marL="7810" marR="7810" marT="7810" marB="0" anchor="b"/>
-                </a:tc>
-                <a:tc>
-                  <a:txBody>
-                    <a:bodyPr/>
-                    <a:lstStyle/>
-                    <a:p>
-                      <a:pPr algn="r" fontAlgn="b"/>
-                      <a:r>
-                        <a:rPr lang="en-US" sz="900" u="none" strike="noStrike">
-                          <a:effectLst/>
-                        </a:rPr>
-                        <a:t>1.18</a:t>
-                      </a:r>
-                      <a:endParaRPr lang="en-US" sz="900" b="0" i="0" u="none" strike="noStrike">
-                        <a:solidFill>
-                          <a:srgbClr val="000000"/>
-                        </a:solidFill>
-                        <a:effectLst/>
-                        <a:latin typeface="Calibri" panose="020F0502020204030204" pitchFamily="34" charset="0"/>
-                      </a:endParaRPr>
-                    </a:p>
-                  </a:txBody>
-                  <a:tcPr marL="7810" marR="7810" marT="7810" marB="0" anchor="b"/>
-                </a:tc>
-                <a:tc>
-                  <a:txBody>
-                    <a:bodyPr/>
-                    <a:lstStyle/>
-                    <a:p>
-                      <a:pPr algn="l" fontAlgn="b"/>
-                      <a:r>
-                        <a:rPr lang="en-US" sz="900" u="none" strike="noStrike">
-                          <a:effectLst/>
-                        </a:rPr>
-                        <a:t>1.00</a:t>
-                      </a:r>
-                      <a:endParaRPr lang="en-US" sz="900" b="0" i="0" u="none" strike="noStrike">
-                        <a:solidFill>
-                          <a:srgbClr val="000000"/>
-                        </a:solidFill>
-                        <a:effectLst/>
-                        <a:latin typeface="Calibri" panose="020F0502020204030204" pitchFamily="34" charset="0"/>
-                      </a:endParaRPr>
-                    </a:p>
-                  </a:txBody>
-                  <a:tcPr marL="351472" marR="7810" marT="7810" marB="0" anchor="b"/>
-                </a:tc>
-                <a:tc>
-                  <a:txBody>
-                    <a:bodyPr/>
-                    <a:lstStyle/>
-                    <a:p>
-                      <a:pPr algn="r" fontAlgn="b"/>
-                      <a:r>
-                        <a:rPr lang="en-US" sz="900" u="none" strike="noStrike">
-                          <a:effectLst/>
-                        </a:rPr>
-                        <a:t>0.89</a:t>
-                      </a:r>
-                      <a:endParaRPr lang="en-US" sz="900" b="0" i="0" u="none" strike="noStrike">
-                        <a:solidFill>
-                          <a:srgbClr val="000000"/>
-                        </a:solidFill>
-                        <a:effectLst/>
-                        <a:latin typeface="Calibri" panose="020F0502020204030204" pitchFamily="34" charset="0"/>
-                      </a:endParaRPr>
-                    </a:p>
-                  </a:txBody>
-                  <a:tcPr marL="7810" marR="7810" marT="7810" marB="0" anchor="b"/>
-                </a:tc>
-                <a:tc>
-                  <a:txBody>
-                    <a:bodyPr/>
-                    <a:lstStyle/>
-                    <a:p>
-                      <a:pPr algn="r" fontAlgn="b"/>
-                      <a:r>
-                        <a:rPr lang="en-US" sz="900" u="none" strike="noStrike">
-                          <a:effectLst/>
-                        </a:rPr>
-                        <a:t>0.72</a:t>
-                      </a:r>
-                      <a:endParaRPr lang="en-US" sz="900" b="0" i="0" u="none" strike="noStrike">
-                        <a:solidFill>
-                          <a:srgbClr val="000000"/>
-                        </a:solidFill>
-                        <a:effectLst/>
-                        <a:latin typeface="Calibri" panose="020F0502020204030204" pitchFamily="34" charset="0"/>
-                      </a:endParaRPr>
-                    </a:p>
-                  </a:txBody>
-                  <a:tcPr marL="7810" marR="7810" marT="7810" marB="0" anchor="b"/>
-                </a:tc>
-                <a:tc>
-                  <a:txBody>
-                    <a:bodyPr/>
-                    <a:lstStyle/>
-                    <a:p>
-                      <a:pPr algn="l" fontAlgn="b"/>
-                      <a:endParaRPr lang="en-US" sz="900" b="0" i="0" u="none" strike="noStrike">
-                        <a:solidFill>
-                          <a:srgbClr val="000000"/>
-                        </a:solidFill>
-                        <a:effectLst/>
-                        <a:latin typeface="Calibri" panose="020F0502020204030204" pitchFamily="34" charset="0"/>
-                      </a:endParaRPr>
-                    </a:p>
-                  </a:txBody>
-                  <a:tcPr marL="7810" marR="7810" marT="7810" marB="0" anchor="b"/>
-                </a:tc>
-                <a:extLst>
-                  <a:ext uri="{0D108BD9-81ED-4DB2-BD59-A6C34878D82A}">
-                    <a16:rowId xmlns:a16="http://schemas.microsoft.com/office/drawing/2014/main" val="2079312872"/>
-                  </a:ext>
-                </a:extLst>
-              </a:tr>
-              <a:tr h="195453">
-                <a:tc>
-                  <a:txBody>
-                    <a:bodyPr/>
-                    <a:lstStyle/>
-                    <a:p>
-                      <a:pPr algn="l" fontAlgn="b"/>
-                      <a:r>
-                        <a:rPr lang="en-US" sz="900" u="none" strike="noStrike">
-                          <a:effectLst/>
-                        </a:rPr>
-                        <a:t>Applications Experience</a:t>
-                      </a:r>
-                      <a:endParaRPr lang="en-US" sz="900" b="0" i="0" u="none" strike="noStrike">
-                        <a:solidFill>
-                          <a:srgbClr val="000000"/>
-                        </a:solidFill>
-                        <a:effectLst/>
-                        <a:latin typeface="Calibri" panose="020F0502020204030204" pitchFamily="34" charset="0"/>
-                      </a:endParaRPr>
-                    </a:p>
-                  </a:txBody>
-                  <a:tcPr marL="7810" marR="7810" marT="7810" marB="0" anchor="b"/>
-                </a:tc>
-                <a:tc>
-                  <a:txBody>
-                    <a:bodyPr/>
-                    <a:lstStyle/>
-                    <a:p>
-                      <a:pPr algn="r" fontAlgn="b"/>
-                      <a:r>
-                        <a:rPr lang="en-US" sz="900" u="none" strike="noStrike">
-                          <a:effectLst/>
-                        </a:rPr>
-                        <a:t>1.20</a:t>
-                      </a:r>
-                      <a:endParaRPr lang="en-US" sz="900" b="0" i="0" u="none" strike="noStrike">
-                        <a:solidFill>
-                          <a:srgbClr val="000000"/>
-                        </a:solidFill>
-                        <a:effectLst/>
-                        <a:latin typeface="Calibri" panose="020F0502020204030204" pitchFamily="34" charset="0"/>
-                      </a:endParaRPr>
-                    </a:p>
-                  </a:txBody>
-                  <a:tcPr marL="7810" marR="7810" marT="7810" marB="0" anchor="b"/>
-                </a:tc>
-                <a:tc>
-                  <a:txBody>
-                    <a:bodyPr/>
-                    <a:lstStyle/>
-                    <a:p>
-                      <a:pPr algn="r" fontAlgn="b"/>
-                      <a:r>
-                        <a:rPr lang="en-US" sz="900" u="none" strike="noStrike">
-                          <a:effectLst/>
-                        </a:rPr>
-                        <a:t>1.18</a:t>
-                      </a:r>
-                      <a:endParaRPr lang="en-US" sz="900" b="0" i="0" u="none" strike="noStrike">
-                        <a:solidFill>
-                          <a:srgbClr val="000000"/>
-                        </a:solidFill>
-                        <a:effectLst/>
-                        <a:latin typeface="Calibri" panose="020F0502020204030204" pitchFamily="34" charset="0"/>
-                      </a:endParaRPr>
-                    </a:p>
-                  </a:txBody>
-                  <a:tcPr marL="7810" marR="7810" marT="7810" marB="0" anchor="b"/>
-                </a:tc>
-                <a:tc>
-                  <a:txBody>
-                    <a:bodyPr/>
-                    <a:lstStyle/>
-                    <a:p>
-                      <a:pPr algn="l" fontAlgn="b"/>
-                      <a:r>
-                        <a:rPr lang="en-US" sz="900" u="none" strike="noStrike">
-                          <a:effectLst/>
-                        </a:rPr>
-                        <a:t>1.00</a:t>
-                      </a:r>
-                      <a:endParaRPr lang="en-US" sz="900" b="0" i="0" u="none" strike="noStrike">
-                        <a:solidFill>
-                          <a:srgbClr val="000000"/>
-                        </a:solidFill>
-                        <a:effectLst/>
-                        <a:latin typeface="Calibri" panose="020F0502020204030204" pitchFamily="34" charset="0"/>
-                      </a:endParaRPr>
-                    </a:p>
-                  </a:txBody>
-                  <a:tcPr marL="351472" marR="7810" marT="7810" marB="0" anchor="b"/>
-                </a:tc>
-                <a:tc>
-                  <a:txBody>
-                    <a:bodyPr/>
-                    <a:lstStyle/>
-                    <a:p>
-                      <a:pPr algn="r" fontAlgn="b"/>
-                      <a:r>
-                        <a:rPr lang="en-US" sz="900" u="none" strike="noStrike">
-                          <a:effectLst/>
-                        </a:rPr>
-                        <a:t>0.86</a:t>
-                      </a:r>
-                      <a:endParaRPr lang="en-US" sz="900" b="0" i="0" u="none" strike="noStrike">
-                        <a:solidFill>
-                          <a:srgbClr val="000000"/>
-                        </a:solidFill>
-                        <a:effectLst/>
-                        <a:latin typeface="Calibri" panose="020F0502020204030204" pitchFamily="34" charset="0"/>
-                      </a:endParaRPr>
-                    </a:p>
-                  </a:txBody>
-                  <a:tcPr marL="7810" marR="7810" marT="7810" marB="0" anchor="b"/>
-                </a:tc>
-                <a:tc>
-                  <a:txBody>
-                    <a:bodyPr/>
-                    <a:lstStyle/>
-                    <a:p>
-                      <a:pPr algn="r" fontAlgn="b"/>
-                      <a:r>
-                        <a:rPr lang="en-US" sz="900" u="none" strike="noStrike">
-                          <a:effectLst/>
-                        </a:rPr>
-                        <a:t>0.79</a:t>
-                      </a:r>
-                      <a:endParaRPr lang="en-US" sz="900" b="0" i="0" u="none" strike="noStrike">
-                        <a:solidFill>
-                          <a:srgbClr val="000000"/>
-                        </a:solidFill>
-                        <a:effectLst/>
-                        <a:latin typeface="Calibri" panose="020F0502020204030204" pitchFamily="34" charset="0"/>
-                      </a:endParaRPr>
-                    </a:p>
-                  </a:txBody>
-                  <a:tcPr marL="7810" marR="7810" marT="7810" marB="0" anchor="b"/>
-                </a:tc>
-                <a:tc>
-                  <a:txBody>
-                    <a:bodyPr/>
-                    <a:lstStyle/>
-                    <a:p>
-                      <a:pPr algn="l" fontAlgn="b"/>
-                      <a:endParaRPr lang="en-US" sz="900" b="0" i="0" u="none" strike="noStrike">
-                        <a:solidFill>
-                          <a:srgbClr val="000000"/>
-                        </a:solidFill>
-                        <a:effectLst/>
-                        <a:latin typeface="Calibri" panose="020F0502020204030204" pitchFamily="34" charset="0"/>
-                      </a:endParaRPr>
-                    </a:p>
-                  </a:txBody>
-                  <a:tcPr marL="7810" marR="7810" marT="7810" marB="0" anchor="b"/>
-                </a:tc>
-                <a:extLst>
-                  <a:ext uri="{0D108BD9-81ED-4DB2-BD59-A6C34878D82A}">
-                    <a16:rowId xmlns:a16="http://schemas.microsoft.com/office/drawing/2014/main" val="1964197050"/>
-                  </a:ext>
-                </a:extLst>
-              </a:tr>
-              <a:tr h="195453">
-                <a:tc>
-                  <a:txBody>
-                    <a:bodyPr/>
-                    <a:lstStyle/>
-                    <a:p>
-                      <a:pPr algn="l" fontAlgn="b"/>
-                      <a:r>
-                        <a:rPr lang="en-US" sz="900" u="none" strike="noStrike">
-                          <a:effectLst/>
-                        </a:rPr>
-                        <a:t>Virtual Machine Experience</a:t>
-                      </a:r>
-                      <a:endParaRPr lang="en-US" sz="900" b="0" i="0" u="none" strike="noStrike">
-                        <a:solidFill>
-                          <a:srgbClr val="000000"/>
-                        </a:solidFill>
-                        <a:effectLst/>
-                        <a:latin typeface="Calibri" panose="020F0502020204030204" pitchFamily="34" charset="0"/>
-                      </a:endParaRPr>
-                    </a:p>
-                  </a:txBody>
-                  <a:tcPr marL="7810" marR="7810" marT="7810" marB="0" anchor="b"/>
-                </a:tc>
-                <a:tc>
-                  <a:txBody>
-                    <a:bodyPr/>
-                    <a:lstStyle/>
-                    <a:p>
-                      <a:pPr algn="r" fontAlgn="b"/>
-                      <a:r>
-                        <a:rPr lang="en-US" sz="900" u="none" strike="noStrike">
-                          <a:effectLst/>
-                        </a:rPr>
-                        <a:t>1.49</a:t>
-                      </a:r>
-                      <a:endParaRPr lang="en-US" sz="900" b="0" i="0" u="none" strike="noStrike">
-                        <a:solidFill>
-                          <a:srgbClr val="000000"/>
-                        </a:solidFill>
-                        <a:effectLst/>
-                        <a:latin typeface="Calibri" panose="020F0502020204030204" pitchFamily="34" charset="0"/>
-                      </a:endParaRPr>
-                    </a:p>
-                  </a:txBody>
-                  <a:tcPr marL="7810" marR="7810" marT="7810" marB="0" anchor="b"/>
-                </a:tc>
-                <a:tc>
-                  <a:txBody>
-                    <a:bodyPr/>
-                    <a:lstStyle/>
-                    <a:p>
-                      <a:pPr algn="r" fontAlgn="b"/>
-                      <a:r>
-                        <a:rPr lang="en-US" sz="900" u="none" strike="noStrike">
-                          <a:effectLst/>
-                        </a:rPr>
-                        <a:t>1.19</a:t>
-                      </a:r>
-                      <a:endParaRPr lang="en-US" sz="900" b="0" i="0" u="none" strike="noStrike">
-                        <a:solidFill>
-                          <a:srgbClr val="000000"/>
-                        </a:solidFill>
-                        <a:effectLst/>
-                        <a:latin typeface="Calibri" panose="020F0502020204030204" pitchFamily="34" charset="0"/>
-                      </a:endParaRPr>
-                    </a:p>
-                  </a:txBody>
-                  <a:tcPr marL="7810" marR="7810" marT="7810" marB="0" anchor="b"/>
-                </a:tc>
-                <a:tc>
-                  <a:txBody>
-                    <a:bodyPr/>
-                    <a:lstStyle/>
-                    <a:p>
-                      <a:pPr algn="l" fontAlgn="b"/>
-                      <a:r>
-                        <a:rPr lang="en-US" sz="900" u="none" strike="noStrike">
-                          <a:effectLst/>
-                        </a:rPr>
-                        <a:t>1.00</a:t>
-                      </a:r>
-                      <a:endParaRPr lang="en-US" sz="900" b="0" i="0" u="none" strike="noStrike">
-                        <a:solidFill>
-                          <a:srgbClr val="000000"/>
-                        </a:solidFill>
-                        <a:effectLst/>
-                        <a:latin typeface="Calibri" panose="020F0502020204030204" pitchFamily="34" charset="0"/>
-                      </a:endParaRPr>
-                    </a:p>
-                  </a:txBody>
-                  <a:tcPr marL="351472" marR="7810" marT="7810" marB="0" anchor="b"/>
-                </a:tc>
-                <a:tc>
-                  <a:txBody>
-                    <a:bodyPr/>
-                    <a:lstStyle/>
-                    <a:p>
-                      <a:pPr algn="r" fontAlgn="b"/>
-                      <a:r>
-                        <a:rPr lang="en-US" sz="900" u="none" strike="noStrike">
-                          <a:effectLst/>
-                        </a:rPr>
-                        <a:t>0.92</a:t>
-                      </a:r>
-                      <a:endParaRPr lang="en-US" sz="900" b="0" i="0" u="none" strike="noStrike">
-                        <a:solidFill>
-                          <a:srgbClr val="000000"/>
-                        </a:solidFill>
-                        <a:effectLst/>
-                        <a:latin typeface="Calibri" panose="020F0502020204030204" pitchFamily="34" charset="0"/>
-                      </a:endParaRPr>
-                    </a:p>
-                  </a:txBody>
-                  <a:tcPr marL="7810" marR="7810" marT="7810" marB="0" anchor="b"/>
-                </a:tc>
-                <a:tc>
-                  <a:txBody>
-                    <a:bodyPr/>
-                    <a:lstStyle/>
-                    <a:p>
-                      <a:pPr algn="r" fontAlgn="b"/>
-                      <a:r>
-                        <a:rPr lang="en-US" sz="900" u="none" strike="noStrike">
-                          <a:effectLst/>
-                        </a:rPr>
-                        <a:t>0.82</a:t>
-                      </a:r>
-                      <a:endParaRPr lang="en-US" sz="900" b="0" i="0" u="none" strike="noStrike">
-                        <a:solidFill>
-                          <a:srgbClr val="000000"/>
-                        </a:solidFill>
-                        <a:effectLst/>
-                        <a:latin typeface="Calibri" panose="020F0502020204030204" pitchFamily="34" charset="0"/>
-                      </a:endParaRPr>
-                    </a:p>
-                  </a:txBody>
-                  <a:tcPr marL="7810" marR="7810" marT="7810" marB="0" anchor="b"/>
-                </a:tc>
-                <a:tc>
-                  <a:txBody>
-                    <a:bodyPr/>
-                    <a:lstStyle/>
-                    <a:p>
-                      <a:pPr algn="l" fontAlgn="b"/>
-                      <a:endParaRPr lang="en-US" sz="900" b="0" i="0" u="none" strike="noStrike">
-                        <a:solidFill>
-                          <a:srgbClr val="000000"/>
-                        </a:solidFill>
-                        <a:effectLst/>
-                        <a:latin typeface="Calibri" panose="020F0502020204030204" pitchFamily="34" charset="0"/>
-                      </a:endParaRPr>
-                    </a:p>
-                  </a:txBody>
-                  <a:tcPr marL="7810" marR="7810" marT="7810" marB="0" anchor="b"/>
-                </a:tc>
-                <a:extLst>
-                  <a:ext uri="{0D108BD9-81ED-4DB2-BD59-A6C34878D82A}">
-                    <a16:rowId xmlns:a16="http://schemas.microsoft.com/office/drawing/2014/main" val="3162964436"/>
-                  </a:ext>
-                </a:extLst>
-              </a:tr>
-              <a:tr h="195453">
-                <a:tc>
-                  <a:txBody>
-                    <a:bodyPr/>
-                    <a:lstStyle/>
-                    <a:p>
-                      <a:pPr algn="l" fontAlgn="b"/>
-                      <a:r>
-                        <a:rPr lang="en-US" sz="900" u="none" strike="noStrike">
-                          <a:effectLst/>
-                        </a:rPr>
-                        <a:t>Programming Language Experience</a:t>
-                      </a:r>
-                      <a:endParaRPr lang="en-US" sz="900" b="0" i="0" u="none" strike="noStrike">
-                        <a:solidFill>
-                          <a:srgbClr val="000000"/>
-                        </a:solidFill>
-                        <a:effectLst/>
-                        <a:latin typeface="Calibri" panose="020F0502020204030204" pitchFamily="34" charset="0"/>
-                      </a:endParaRPr>
-                    </a:p>
-                  </a:txBody>
-                  <a:tcPr marL="7810" marR="7810" marT="7810" marB="0" anchor="b"/>
-                </a:tc>
-                <a:tc>
-                  <a:txBody>
-                    <a:bodyPr/>
-                    <a:lstStyle/>
-                    <a:p>
-                      <a:pPr algn="r" fontAlgn="b"/>
-                      <a:r>
-                        <a:rPr lang="en-US" sz="900" u="none" strike="noStrike">
-                          <a:effectLst/>
-                        </a:rPr>
-                        <a:t>1.45</a:t>
-                      </a:r>
-                      <a:endParaRPr lang="en-US" sz="900" b="0" i="0" u="none" strike="noStrike">
-                        <a:solidFill>
-                          <a:srgbClr val="000000"/>
-                        </a:solidFill>
-                        <a:effectLst/>
-                        <a:latin typeface="Calibri" panose="020F0502020204030204" pitchFamily="34" charset="0"/>
-                      </a:endParaRPr>
-                    </a:p>
-                  </a:txBody>
-                  <a:tcPr marL="7810" marR="7810" marT="7810" marB="0" anchor="b"/>
-                </a:tc>
-                <a:tc>
-                  <a:txBody>
-                    <a:bodyPr/>
-                    <a:lstStyle/>
-                    <a:p>
-                      <a:pPr algn="r" fontAlgn="b"/>
-                      <a:r>
-                        <a:rPr lang="en-US" sz="900" u="none" strike="noStrike">
-                          <a:effectLst/>
-                        </a:rPr>
-                        <a:t>1.10</a:t>
-                      </a:r>
-                      <a:endParaRPr lang="en-US" sz="900" b="0" i="0" u="none" strike="noStrike">
-                        <a:solidFill>
-                          <a:srgbClr val="000000"/>
-                        </a:solidFill>
-                        <a:effectLst/>
-                        <a:latin typeface="Calibri" panose="020F0502020204030204" pitchFamily="34" charset="0"/>
-                      </a:endParaRPr>
-                    </a:p>
-                  </a:txBody>
-                  <a:tcPr marL="7810" marR="7810" marT="7810" marB="0" anchor="b"/>
-                </a:tc>
-                <a:tc>
-                  <a:txBody>
-                    <a:bodyPr/>
-                    <a:lstStyle/>
-                    <a:p>
-                      <a:pPr algn="l" fontAlgn="b"/>
-                      <a:r>
-                        <a:rPr lang="en-US" sz="900" u="none" strike="noStrike">
-                          <a:effectLst/>
-                        </a:rPr>
-                        <a:t>1.00</a:t>
-                      </a:r>
-                      <a:endParaRPr lang="en-US" sz="900" b="0" i="0" u="none" strike="noStrike">
-                        <a:solidFill>
-                          <a:srgbClr val="000000"/>
-                        </a:solidFill>
-                        <a:effectLst/>
-                        <a:latin typeface="Calibri" panose="020F0502020204030204" pitchFamily="34" charset="0"/>
-                      </a:endParaRPr>
-                    </a:p>
-                  </a:txBody>
-                  <a:tcPr marL="351472" marR="7810" marT="7810" marB="0" anchor="b"/>
-                </a:tc>
-                <a:tc>
-                  <a:txBody>
-                    <a:bodyPr/>
-                    <a:lstStyle/>
-                    <a:p>
-                      <a:pPr algn="r" fontAlgn="b"/>
-                      <a:r>
-                        <a:rPr lang="en-US" sz="900" u="none" strike="noStrike">
-                          <a:effectLst/>
-                        </a:rPr>
-                        <a:t>0.94</a:t>
-                      </a:r>
-                      <a:endParaRPr lang="en-US" sz="900" b="0" i="0" u="none" strike="noStrike">
-                        <a:solidFill>
-                          <a:srgbClr val="000000"/>
-                        </a:solidFill>
-                        <a:effectLst/>
-                        <a:latin typeface="Calibri" panose="020F0502020204030204" pitchFamily="34" charset="0"/>
-                      </a:endParaRPr>
-                    </a:p>
-                  </a:txBody>
-                  <a:tcPr marL="7810" marR="7810" marT="7810" marB="0" anchor="b"/>
-                </a:tc>
-                <a:tc>
-                  <a:txBody>
-                    <a:bodyPr/>
-                    <a:lstStyle/>
-                    <a:p>
-                      <a:pPr algn="l" fontAlgn="b"/>
-                      <a:endParaRPr lang="en-US" sz="900" b="0" i="0" u="none" strike="noStrike">
-                        <a:solidFill>
-                          <a:srgbClr val="000000"/>
-                        </a:solidFill>
-                        <a:effectLst/>
-                        <a:latin typeface="Calibri" panose="020F0502020204030204" pitchFamily="34" charset="0"/>
-                      </a:endParaRPr>
-                    </a:p>
-                  </a:txBody>
-                  <a:tcPr marL="7810" marR="7810" marT="7810" marB="0" anchor="b"/>
-                </a:tc>
-                <a:tc>
-                  <a:txBody>
-                    <a:bodyPr/>
-                    <a:lstStyle/>
-                    <a:p>
-                      <a:pPr algn="l" fontAlgn="b"/>
-                      <a:endParaRPr lang="en-US" sz="900" b="0" i="0" u="none" strike="noStrike">
-                        <a:solidFill>
-                          <a:srgbClr val="000000"/>
-                        </a:solidFill>
-                        <a:effectLst/>
-                        <a:latin typeface="Calibri" panose="020F0502020204030204" pitchFamily="34" charset="0"/>
-                      </a:endParaRPr>
-                    </a:p>
-                  </a:txBody>
-                  <a:tcPr marL="7810" marR="7810" marT="7810" marB="0" anchor="b"/>
-                </a:tc>
-                <a:extLst>
-                  <a:ext uri="{0D108BD9-81ED-4DB2-BD59-A6C34878D82A}">
-                    <a16:rowId xmlns:a16="http://schemas.microsoft.com/office/drawing/2014/main" val="2445538220"/>
-                  </a:ext>
-                </a:extLst>
-              </a:tr>
-              <a:tr h="195453">
-                <a:tc>
-                  <a:txBody>
-                    <a:bodyPr/>
-                    <a:lstStyle/>
-                    <a:p>
-                      <a:pPr algn="l" fontAlgn="b"/>
-                      <a:r>
-                        <a:rPr lang="en-US" sz="900" u="none" strike="noStrike">
-                          <a:effectLst/>
-                        </a:rPr>
-                        <a:t>Project Attributes</a:t>
-                      </a:r>
-                      <a:endParaRPr lang="en-US" sz="900" b="1" i="0" u="none" strike="noStrike">
-                        <a:solidFill>
-                          <a:srgbClr val="000000"/>
-                        </a:solidFill>
-                        <a:effectLst/>
-                        <a:latin typeface="Calibri" panose="020F0502020204030204" pitchFamily="34" charset="0"/>
-                      </a:endParaRPr>
-                    </a:p>
-                  </a:txBody>
-                  <a:tcPr marL="7810" marR="7810" marT="7810" marB="0" anchor="b"/>
-                </a:tc>
-                <a:tc>
-                  <a:txBody>
-                    <a:bodyPr/>
-                    <a:lstStyle/>
-                    <a:p>
-                      <a:pPr algn="l" fontAlgn="b"/>
-                      <a:endParaRPr lang="en-US" sz="900" b="0" i="0" u="none" strike="noStrike">
-                        <a:solidFill>
-                          <a:srgbClr val="000000"/>
-                        </a:solidFill>
-                        <a:effectLst/>
-                        <a:latin typeface="Calibri" panose="020F0502020204030204" pitchFamily="34" charset="0"/>
-                      </a:endParaRPr>
-                    </a:p>
-                  </a:txBody>
-                  <a:tcPr marL="7810" marR="7810" marT="7810" marB="0" anchor="b"/>
-                </a:tc>
-                <a:tc>
-                  <a:txBody>
-                    <a:bodyPr/>
-                    <a:lstStyle/>
-                    <a:p>
-                      <a:pPr algn="l" fontAlgn="b"/>
-                      <a:endParaRPr lang="en-US" sz="900" b="0" i="0" u="none" strike="noStrike">
-                        <a:solidFill>
-                          <a:srgbClr val="000000"/>
-                        </a:solidFill>
-                        <a:effectLst/>
-                        <a:latin typeface="Calibri" panose="020F0502020204030204" pitchFamily="34" charset="0"/>
-                      </a:endParaRPr>
-                    </a:p>
-                  </a:txBody>
-                  <a:tcPr marL="7810" marR="7810" marT="7810" marB="0" anchor="b"/>
-                </a:tc>
-                <a:tc>
-                  <a:txBody>
-                    <a:bodyPr/>
-                    <a:lstStyle/>
-                    <a:p>
-                      <a:pPr algn="l" fontAlgn="b"/>
-                      <a:endParaRPr lang="en-US" sz="900" b="0" i="0" u="none" strike="noStrike">
-                        <a:solidFill>
-                          <a:srgbClr val="000000"/>
-                        </a:solidFill>
-                        <a:effectLst/>
-                        <a:latin typeface="Calibri" panose="020F0502020204030204" pitchFamily="34" charset="0"/>
-                      </a:endParaRPr>
-                    </a:p>
-                  </a:txBody>
-                  <a:tcPr marL="351472" marR="7810" marT="7810" marB="0" anchor="b"/>
-                </a:tc>
-                <a:tc>
-                  <a:txBody>
-                    <a:bodyPr/>
-                    <a:lstStyle/>
-                    <a:p>
-                      <a:pPr algn="l" fontAlgn="b"/>
-                      <a:endParaRPr lang="en-US" sz="900" b="0" i="0" u="none" strike="noStrike">
-                        <a:solidFill>
-                          <a:srgbClr val="000000"/>
-                        </a:solidFill>
-                        <a:effectLst/>
-                        <a:latin typeface="Calibri" panose="020F0502020204030204" pitchFamily="34" charset="0"/>
-                      </a:endParaRPr>
-                    </a:p>
-                  </a:txBody>
-                  <a:tcPr marL="7810" marR="7810" marT="7810" marB="0" anchor="b"/>
-                </a:tc>
-                <a:tc>
-                  <a:txBody>
-                    <a:bodyPr/>
-                    <a:lstStyle/>
-                    <a:p>
-                      <a:pPr algn="l" fontAlgn="b"/>
-                      <a:endParaRPr lang="en-US" sz="900" b="0" i="0" u="none" strike="noStrike">
-                        <a:solidFill>
-                          <a:srgbClr val="000000"/>
-                        </a:solidFill>
-                        <a:effectLst/>
-                        <a:latin typeface="Calibri" panose="020F0502020204030204" pitchFamily="34" charset="0"/>
-                      </a:endParaRPr>
-                    </a:p>
-                  </a:txBody>
-                  <a:tcPr marL="7810" marR="7810" marT="7810" marB="0" anchor="b"/>
-                </a:tc>
-                <a:tc>
-                  <a:txBody>
-                    <a:bodyPr/>
-                    <a:lstStyle/>
-                    <a:p>
-                      <a:pPr algn="l" fontAlgn="b"/>
-                      <a:endParaRPr lang="en-US" sz="900" b="0" i="0" u="none" strike="noStrike">
-                        <a:solidFill>
-                          <a:srgbClr val="000000"/>
-                        </a:solidFill>
-                        <a:effectLst/>
-                        <a:latin typeface="Calibri" panose="020F0502020204030204" pitchFamily="34" charset="0"/>
-                      </a:endParaRPr>
-                    </a:p>
-                  </a:txBody>
-                  <a:tcPr marL="7810" marR="7810" marT="7810" marB="0" anchor="b"/>
-                </a:tc>
-                <a:extLst>
-                  <a:ext uri="{0D108BD9-81ED-4DB2-BD59-A6C34878D82A}">
-                    <a16:rowId xmlns:a16="http://schemas.microsoft.com/office/drawing/2014/main" val="1729295181"/>
-                  </a:ext>
-                </a:extLst>
-              </a:tr>
-              <a:tr h="195453">
-                <a:tc>
-                  <a:txBody>
-                    <a:bodyPr/>
-                    <a:lstStyle/>
-                    <a:p>
-                      <a:pPr algn="l" fontAlgn="b"/>
-                      <a:r>
-                        <a:rPr lang="en-US" sz="900" u="none" strike="noStrike">
-                          <a:effectLst/>
-                        </a:rPr>
-                        <a:t>Modern Programming Practices</a:t>
-                      </a:r>
-                      <a:endParaRPr lang="en-US" sz="900" b="0" i="0" u="none" strike="noStrike">
-                        <a:solidFill>
-                          <a:srgbClr val="000000"/>
-                        </a:solidFill>
-                        <a:effectLst/>
-                        <a:latin typeface="Calibri" panose="020F0502020204030204" pitchFamily="34" charset="0"/>
-                      </a:endParaRPr>
-                    </a:p>
-                  </a:txBody>
-                  <a:tcPr marL="7810" marR="7810" marT="7810" marB="0" anchor="b"/>
-                </a:tc>
-                <a:tc>
-                  <a:txBody>
-                    <a:bodyPr/>
-                    <a:lstStyle/>
-                    <a:p>
-                      <a:pPr algn="r" fontAlgn="b"/>
-                      <a:r>
-                        <a:rPr lang="en-US" sz="900" u="none" strike="noStrike">
-                          <a:effectLst/>
-                        </a:rPr>
-                        <a:t>1.25</a:t>
-                      </a:r>
-                      <a:endParaRPr lang="en-US" sz="900" b="0" i="0" u="none" strike="noStrike">
-                        <a:solidFill>
-                          <a:srgbClr val="000000"/>
-                        </a:solidFill>
-                        <a:effectLst/>
-                        <a:latin typeface="Calibri" panose="020F0502020204030204" pitchFamily="34" charset="0"/>
-                      </a:endParaRPr>
-                    </a:p>
-                  </a:txBody>
-                  <a:tcPr marL="7810" marR="7810" marT="7810" marB="0" anchor="b"/>
-                </a:tc>
-                <a:tc>
-                  <a:txBody>
-                    <a:bodyPr/>
-                    <a:lstStyle/>
-                    <a:p>
-                      <a:pPr algn="r" fontAlgn="b"/>
-                      <a:r>
-                        <a:rPr lang="en-US" sz="900" u="none" strike="noStrike">
-                          <a:effectLst/>
-                        </a:rPr>
-                        <a:t>1.10</a:t>
-                      </a:r>
-                      <a:endParaRPr lang="en-US" sz="900" b="0" i="0" u="none" strike="noStrike">
-                        <a:solidFill>
-                          <a:srgbClr val="000000"/>
-                        </a:solidFill>
-                        <a:effectLst/>
-                        <a:latin typeface="Calibri" panose="020F0502020204030204" pitchFamily="34" charset="0"/>
-                      </a:endParaRPr>
-                    </a:p>
-                  </a:txBody>
-                  <a:tcPr marL="7810" marR="7810" marT="7810" marB="0" anchor="b"/>
-                </a:tc>
-                <a:tc>
-                  <a:txBody>
-                    <a:bodyPr/>
-                    <a:lstStyle/>
-                    <a:p>
-                      <a:pPr algn="l" fontAlgn="b"/>
-                      <a:r>
-                        <a:rPr lang="en-US" sz="900" u="none" strike="noStrike">
-                          <a:effectLst/>
-                        </a:rPr>
-                        <a:t>1.00</a:t>
-                      </a:r>
-                      <a:endParaRPr lang="en-US" sz="900" b="0" i="0" u="none" strike="noStrike">
-                        <a:solidFill>
-                          <a:srgbClr val="000000"/>
-                        </a:solidFill>
-                        <a:effectLst/>
-                        <a:latin typeface="Calibri" panose="020F0502020204030204" pitchFamily="34" charset="0"/>
-                      </a:endParaRPr>
-                    </a:p>
-                  </a:txBody>
-                  <a:tcPr marL="351472" marR="7810" marT="7810" marB="0" anchor="b"/>
-                </a:tc>
-                <a:tc>
-                  <a:txBody>
-                    <a:bodyPr/>
-                    <a:lstStyle/>
-                    <a:p>
-                      <a:pPr algn="r" fontAlgn="b"/>
-                      <a:r>
-                        <a:rPr lang="en-US" sz="900" u="none" strike="noStrike">
-                          <a:effectLst/>
-                        </a:rPr>
-                        <a:t>0.91</a:t>
-                      </a:r>
-                      <a:endParaRPr lang="en-US" sz="900" b="0" i="0" u="none" strike="noStrike">
-                        <a:solidFill>
-                          <a:srgbClr val="000000"/>
-                        </a:solidFill>
-                        <a:effectLst/>
-                        <a:latin typeface="Calibri" panose="020F0502020204030204" pitchFamily="34" charset="0"/>
-                      </a:endParaRPr>
-                    </a:p>
-                  </a:txBody>
-                  <a:tcPr marL="7810" marR="7810" marT="7810" marB="0" anchor="b"/>
-                </a:tc>
-                <a:tc>
-                  <a:txBody>
-                    <a:bodyPr/>
-                    <a:lstStyle/>
-                    <a:p>
-                      <a:pPr algn="r" fontAlgn="b"/>
-                      <a:r>
-                        <a:rPr lang="en-US" sz="900" u="none" strike="noStrike">
-                          <a:effectLst/>
-                        </a:rPr>
-                        <a:t>0.85</a:t>
-                      </a:r>
-                      <a:endParaRPr lang="en-US" sz="900" b="0" i="0" u="none" strike="noStrike">
-                        <a:solidFill>
-                          <a:srgbClr val="000000"/>
-                        </a:solidFill>
-                        <a:effectLst/>
-                        <a:latin typeface="Calibri" panose="020F0502020204030204" pitchFamily="34" charset="0"/>
-                      </a:endParaRPr>
-                    </a:p>
-                  </a:txBody>
-                  <a:tcPr marL="7810" marR="7810" marT="7810" marB="0" anchor="b"/>
-                </a:tc>
-                <a:tc>
-                  <a:txBody>
-                    <a:bodyPr/>
-                    <a:lstStyle/>
-                    <a:p>
-                      <a:pPr algn="l" fontAlgn="b"/>
-                      <a:endParaRPr lang="en-US" sz="900" b="0" i="0" u="none" strike="noStrike">
-                        <a:solidFill>
-                          <a:srgbClr val="000000"/>
-                        </a:solidFill>
-                        <a:effectLst/>
-                        <a:latin typeface="Calibri" panose="020F0502020204030204" pitchFamily="34" charset="0"/>
-                      </a:endParaRPr>
-                    </a:p>
-                  </a:txBody>
-                  <a:tcPr marL="7810" marR="7810" marT="7810" marB="0" anchor="b"/>
-                </a:tc>
-                <a:extLst>
-                  <a:ext uri="{0D108BD9-81ED-4DB2-BD59-A6C34878D82A}">
-                    <a16:rowId xmlns:a16="http://schemas.microsoft.com/office/drawing/2014/main" val="3825917034"/>
-                  </a:ext>
-                </a:extLst>
-              </a:tr>
-              <a:tr h="195453">
-                <a:tc>
-                  <a:txBody>
-                    <a:bodyPr/>
-                    <a:lstStyle/>
-                    <a:p>
-                      <a:pPr algn="l" fontAlgn="b"/>
-                      <a:r>
-                        <a:rPr lang="en-US" sz="900" u="none" strike="noStrike">
-                          <a:effectLst/>
-                        </a:rPr>
-                        <a:t>Use of Software Tools</a:t>
-                      </a:r>
-                      <a:endParaRPr lang="en-US" sz="900" b="0" i="0" u="none" strike="noStrike">
-                        <a:solidFill>
-                          <a:srgbClr val="000000"/>
-                        </a:solidFill>
-                        <a:effectLst/>
-                        <a:latin typeface="Calibri" panose="020F0502020204030204" pitchFamily="34" charset="0"/>
-                      </a:endParaRPr>
-                    </a:p>
-                  </a:txBody>
-                  <a:tcPr marL="7810" marR="7810" marT="7810" marB="0" anchor="b"/>
-                </a:tc>
-                <a:tc>
-                  <a:txBody>
-                    <a:bodyPr/>
-                    <a:lstStyle/>
-                    <a:p>
-                      <a:pPr algn="r" fontAlgn="b"/>
-                      <a:r>
-                        <a:rPr lang="en-US" sz="900" u="none" strike="noStrike">
-                          <a:effectLst/>
-                        </a:rPr>
-                        <a:t>1.21</a:t>
-                      </a:r>
-                      <a:endParaRPr lang="en-US" sz="900" b="0" i="0" u="none" strike="noStrike">
-                        <a:solidFill>
-                          <a:srgbClr val="000000"/>
-                        </a:solidFill>
-                        <a:effectLst/>
-                        <a:latin typeface="Calibri" panose="020F0502020204030204" pitchFamily="34" charset="0"/>
-                      </a:endParaRPr>
-                    </a:p>
-                  </a:txBody>
-                  <a:tcPr marL="7810" marR="7810" marT="7810" marB="0" anchor="b"/>
-                </a:tc>
-                <a:tc>
-                  <a:txBody>
-                    <a:bodyPr/>
-                    <a:lstStyle/>
-                    <a:p>
-                      <a:pPr algn="r" fontAlgn="b"/>
-                      <a:r>
-                        <a:rPr lang="en-US" sz="900" u="none" strike="noStrike">
-                          <a:effectLst/>
-                        </a:rPr>
-                        <a:t>1.12</a:t>
-                      </a:r>
-                      <a:endParaRPr lang="en-US" sz="900" b="0" i="0" u="none" strike="noStrike">
-                        <a:solidFill>
-                          <a:srgbClr val="000000"/>
-                        </a:solidFill>
-                        <a:effectLst/>
-                        <a:latin typeface="Calibri" panose="020F0502020204030204" pitchFamily="34" charset="0"/>
-                      </a:endParaRPr>
-                    </a:p>
-                  </a:txBody>
-                  <a:tcPr marL="7810" marR="7810" marT="7810" marB="0" anchor="b"/>
-                </a:tc>
-                <a:tc>
-                  <a:txBody>
-                    <a:bodyPr/>
-                    <a:lstStyle/>
-                    <a:p>
-                      <a:pPr algn="l" fontAlgn="b"/>
-                      <a:r>
-                        <a:rPr lang="en-US" sz="900" u="none" strike="noStrike">
-                          <a:effectLst/>
-                        </a:rPr>
-                        <a:t>1.00</a:t>
-                      </a:r>
-                      <a:endParaRPr lang="en-US" sz="900" b="0" i="0" u="none" strike="noStrike">
-                        <a:solidFill>
-                          <a:srgbClr val="000000"/>
-                        </a:solidFill>
-                        <a:effectLst/>
-                        <a:latin typeface="Calibri" panose="020F0502020204030204" pitchFamily="34" charset="0"/>
-                      </a:endParaRPr>
-                    </a:p>
-                  </a:txBody>
-                  <a:tcPr marL="351472" marR="7810" marT="7810" marB="0" anchor="b"/>
-                </a:tc>
-                <a:tc>
-                  <a:txBody>
-                    <a:bodyPr/>
-                    <a:lstStyle/>
-                    <a:p>
-                      <a:pPr algn="r" fontAlgn="b"/>
-                      <a:r>
-                        <a:rPr lang="en-US" sz="900" u="none" strike="noStrike">
-                          <a:effectLst/>
-                        </a:rPr>
-                        <a:t>0.90</a:t>
-                      </a:r>
-                      <a:endParaRPr lang="en-US" sz="900" b="0" i="0" u="none" strike="noStrike">
-                        <a:solidFill>
-                          <a:srgbClr val="000000"/>
-                        </a:solidFill>
-                        <a:effectLst/>
-                        <a:latin typeface="Calibri" panose="020F0502020204030204" pitchFamily="34" charset="0"/>
-                      </a:endParaRPr>
-                    </a:p>
-                  </a:txBody>
-                  <a:tcPr marL="7810" marR="7810" marT="7810" marB="0" anchor="b"/>
-                </a:tc>
-                <a:tc>
-                  <a:txBody>
-                    <a:bodyPr/>
-                    <a:lstStyle/>
-                    <a:p>
-                      <a:pPr algn="r" fontAlgn="b"/>
-                      <a:r>
-                        <a:rPr lang="en-US" sz="900" u="none" strike="noStrike">
-                          <a:effectLst/>
-                        </a:rPr>
-                        <a:t>0.83</a:t>
-                      </a:r>
-                      <a:endParaRPr lang="en-US" sz="900" b="0" i="0" u="none" strike="noStrike">
-                        <a:solidFill>
-                          <a:srgbClr val="000000"/>
-                        </a:solidFill>
-                        <a:effectLst/>
-                        <a:latin typeface="Calibri" panose="020F0502020204030204" pitchFamily="34" charset="0"/>
-                      </a:endParaRPr>
-                    </a:p>
-                  </a:txBody>
-                  <a:tcPr marL="7810" marR="7810" marT="7810" marB="0" anchor="b"/>
-                </a:tc>
-                <a:tc>
-                  <a:txBody>
-                    <a:bodyPr/>
-                    <a:lstStyle/>
-                    <a:p>
-                      <a:pPr algn="l" fontAlgn="b"/>
-                      <a:endParaRPr lang="en-US" sz="900" b="0" i="0" u="none" strike="noStrike">
-                        <a:solidFill>
-                          <a:srgbClr val="000000"/>
-                        </a:solidFill>
-                        <a:effectLst/>
-                        <a:latin typeface="Calibri" panose="020F0502020204030204" pitchFamily="34" charset="0"/>
-                      </a:endParaRPr>
-                    </a:p>
-                  </a:txBody>
-                  <a:tcPr marL="7810" marR="7810" marT="7810" marB="0" anchor="b"/>
-                </a:tc>
-                <a:extLst>
-                  <a:ext uri="{0D108BD9-81ED-4DB2-BD59-A6C34878D82A}">
-                    <a16:rowId xmlns:a16="http://schemas.microsoft.com/office/drawing/2014/main" val="381480319"/>
-                  </a:ext>
-                </a:extLst>
-              </a:tr>
-              <a:tr h="195453">
-                <a:tc>
-                  <a:txBody>
-                    <a:bodyPr/>
-                    <a:lstStyle/>
-                    <a:p>
-                      <a:pPr algn="l" fontAlgn="b"/>
-                      <a:r>
-                        <a:rPr lang="en-US" sz="900" u="none" strike="noStrike">
-                          <a:effectLst/>
-                        </a:rPr>
-                        <a:t>Required Development Schedule</a:t>
-                      </a:r>
-                      <a:endParaRPr lang="en-US" sz="900" b="0" i="0" u="none" strike="noStrike">
-                        <a:solidFill>
-                          <a:srgbClr val="000000"/>
-                        </a:solidFill>
-                        <a:effectLst/>
-                        <a:latin typeface="Calibri" panose="020F0502020204030204" pitchFamily="34" charset="0"/>
-                      </a:endParaRPr>
-                    </a:p>
-                  </a:txBody>
-                  <a:tcPr marL="7810" marR="7810" marT="7810" marB="0" anchor="b"/>
-                </a:tc>
-                <a:tc>
-                  <a:txBody>
-                    <a:bodyPr/>
-                    <a:lstStyle/>
-                    <a:p>
-                      <a:pPr algn="r" fontAlgn="b"/>
-                      <a:r>
-                        <a:rPr lang="en-US" sz="900" u="none" strike="noStrike">
-                          <a:effectLst/>
-                        </a:rPr>
-                        <a:t>1.23</a:t>
-                      </a:r>
-                      <a:endParaRPr lang="en-US" sz="900" b="0" i="0" u="none" strike="noStrike">
-                        <a:solidFill>
-                          <a:srgbClr val="000000"/>
-                        </a:solidFill>
-                        <a:effectLst/>
-                        <a:latin typeface="Calibri" panose="020F0502020204030204" pitchFamily="34" charset="0"/>
-                      </a:endParaRPr>
-                    </a:p>
-                  </a:txBody>
-                  <a:tcPr marL="7810" marR="7810" marT="7810" marB="0" anchor="b"/>
-                </a:tc>
-                <a:tc>
-                  <a:txBody>
-                    <a:bodyPr/>
-                    <a:lstStyle/>
-                    <a:p>
-                      <a:pPr algn="r" fontAlgn="b"/>
-                      <a:r>
-                        <a:rPr lang="en-US" sz="900" u="none" strike="noStrike">
-                          <a:effectLst/>
-                        </a:rPr>
-                        <a:t>1.10</a:t>
-                      </a:r>
-                      <a:endParaRPr lang="en-US" sz="900" b="0" i="0" u="none" strike="noStrike">
-                        <a:solidFill>
-                          <a:srgbClr val="000000"/>
-                        </a:solidFill>
-                        <a:effectLst/>
-                        <a:latin typeface="Calibri" panose="020F0502020204030204" pitchFamily="34" charset="0"/>
-                      </a:endParaRPr>
-                    </a:p>
-                  </a:txBody>
-                  <a:tcPr marL="7810" marR="7810" marT="7810" marB="0" anchor="b"/>
-                </a:tc>
-                <a:tc>
-                  <a:txBody>
-                    <a:bodyPr/>
-                    <a:lstStyle/>
-                    <a:p>
-                      <a:pPr algn="l" fontAlgn="b"/>
-                      <a:r>
-                        <a:rPr lang="en-US" sz="900" u="none" strike="noStrike">
-                          <a:effectLst/>
-                        </a:rPr>
-                        <a:t>1.00</a:t>
-                      </a:r>
-                      <a:endParaRPr lang="en-US" sz="900" b="0" i="0" u="none" strike="noStrike">
-                        <a:solidFill>
-                          <a:srgbClr val="000000"/>
-                        </a:solidFill>
-                        <a:effectLst/>
-                        <a:latin typeface="Calibri" panose="020F0502020204030204" pitchFamily="34" charset="0"/>
-                      </a:endParaRPr>
-                    </a:p>
-                  </a:txBody>
-                  <a:tcPr marL="351472" marR="7810" marT="7810" marB="0" anchor="b"/>
-                </a:tc>
-                <a:tc>
-                  <a:txBody>
-                    <a:bodyPr/>
-                    <a:lstStyle/>
-                    <a:p>
-                      <a:pPr algn="r" fontAlgn="b"/>
-                      <a:r>
-                        <a:rPr lang="en-US" sz="900" u="none" strike="noStrike">
-                          <a:effectLst/>
-                        </a:rPr>
-                        <a:t>1.10</a:t>
-                      </a:r>
-                      <a:endParaRPr lang="en-US" sz="900" b="0" i="0" u="none" strike="noStrike">
-                        <a:solidFill>
-                          <a:srgbClr val="000000"/>
-                        </a:solidFill>
-                        <a:effectLst/>
-                        <a:latin typeface="Calibri" panose="020F0502020204030204" pitchFamily="34" charset="0"/>
-                      </a:endParaRPr>
-                    </a:p>
-                  </a:txBody>
-                  <a:tcPr marL="7810" marR="7810" marT="7810" marB="0" anchor="b"/>
-                </a:tc>
-                <a:tc>
-                  <a:txBody>
-                    <a:bodyPr/>
-                    <a:lstStyle/>
-                    <a:p>
-                      <a:pPr algn="r" fontAlgn="b"/>
-                      <a:r>
-                        <a:rPr lang="en-US" sz="900" u="none" strike="noStrike">
-                          <a:effectLst/>
-                        </a:rPr>
-                        <a:t>1.03</a:t>
-                      </a:r>
-                      <a:endParaRPr lang="en-US" sz="900" b="0" i="0" u="none" strike="noStrike">
-                        <a:solidFill>
-                          <a:srgbClr val="000000"/>
-                        </a:solidFill>
-                        <a:effectLst/>
-                        <a:latin typeface="Calibri" panose="020F0502020204030204" pitchFamily="34" charset="0"/>
-                      </a:endParaRPr>
-                    </a:p>
-                  </a:txBody>
-                  <a:tcPr marL="7810" marR="7810" marT="7810" marB="0" anchor="b"/>
-                </a:tc>
-                <a:tc>
-                  <a:txBody>
-                    <a:bodyPr/>
-                    <a:lstStyle/>
-                    <a:p>
-                      <a:pPr algn="l" fontAlgn="b"/>
-                      <a:endParaRPr lang="en-US" sz="900" b="0" i="0" u="none" strike="noStrike" dirty="0">
-                        <a:solidFill>
-                          <a:srgbClr val="000000"/>
-                        </a:solidFill>
-                        <a:effectLst/>
-                        <a:latin typeface="Calibri" panose="020F0502020204030204" pitchFamily="34" charset="0"/>
-                      </a:endParaRPr>
-                    </a:p>
-                  </a:txBody>
-                  <a:tcPr marL="7810" marR="7810" marT="7810" marB="0" anchor="b"/>
-                </a:tc>
-                <a:extLst>
-                  <a:ext uri="{0D108BD9-81ED-4DB2-BD59-A6C34878D82A}">
-                    <a16:rowId xmlns:a16="http://schemas.microsoft.com/office/drawing/2014/main" val="857337105"/>
+                    <a16:rowId xmlns:a16="http://schemas.microsoft.com/office/drawing/2014/main" val="4091621480"/>
                   </a:ext>
                 </a:extLst>
               </a:tr>
@@ -12399,6 +9780,137 @@
     <p:extLst>
       <p:ext uri="{BB962C8B-B14F-4D97-AF65-F5344CB8AC3E}">
         <p14:creationId xmlns:p14="http://schemas.microsoft.com/office/powerpoint/2010/main" val="38325326"/>
+      </p:ext>
+    </p:extLst>
+  </p:cSld>
+  <p:clrMapOvr>
+    <a:masterClrMapping/>
+  </p:clrMapOvr>
+</p:sld>
+</file>
+
+<file path=ppt/slides/slide9.xml><?xml version="1.0" encoding="utf-8"?>
+<p:sld xmlns:a="http://schemas.openxmlformats.org/drawingml/2006/main" xmlns:r="http://schemas.openxmlformats.org/officeDocument/2006/relationships" xmlns:p="http://schemas.openxmlformats.org/presentationml/2006/main">
+  <p:cSld>
+    <p:spTree>
+      <p:nvGrpSpPr>
+        <p:cNvPr id="1" name=""/>
+        <p:cNvGrpSpPr/>
+        <p:nvPr/>
+      </p:nvGrpSpPr>
+      <p:grpSpPr>
+        <a:xfrm>
+          <a:off x="0" y="0"/>
+          <a:ext cx="0" cy="0"/>
+          <a:chOff x="0" y="0"/>
+          <a:chExt cx="0" cy="0"/>
+        </a:xfrm>
+      </p:grpSpPr>
+      <p:sp>
+        <p:nvSpPr>
+          <p:cNvPr id="2" name="Title 1">
+            <a:extLst>
+              <a:ext uri="{FF2B5EF4-FFF2-40B4-BE49-F238E27FC236}">
+                <a16:creationId xmlns:a16="http://schemas.microsoft.com/office/drawing/2014/main" id="{9417C3B7-DBD0-421E-9F85-33726A79A37A}"/>
+              </a:ext>
+            </a:extLst>
+          </p:cNvPr>
+          <p:cNvSpPr>
+            <a:spLocks noGrp="1"/>
+          </p:cNvSpPr>
+          <p:nvPr>
+            <p:ph type="title"/>
+          </p:nvPr>
+        </p:nvSpPr>
+        <p:spPr/>
+        <p:txBody>
+          <a:bodyPr/>
+          <a:lstStyle/>
+          <a:p>
+            <a:r>
+              <a:rPr lang="en-US" dirty="0"/>
+              <a:t>COCOMO </a:t>
+            </a:r>
+            <a:r>
+              <a:rPr lang="en-US" dirty="0" err="1"/>
+              <a:t>CAlculations</a:t>
+            </a:r>
+            <a:endParaRPr lang="en-US" dirty="0"/>
+          </a:p>
+        </p:txBody>
+      </p:sp>
+      <p:sp>
+        <p:nvSpPr>
+          <p:cNvPr id="3" name="Content Placeholder 2">
+            <a:extLst>
+              <a:ext uri="{FF2B5EF4-FFF2-40B4-BE49-F238E27FC236}">
+                <a16:creationId xmlns:a16="http://schemas.microsoft.com/office/drawing/2014/main" id="{CDD7B87A-45F1-4439-9A28-517128E525A0}"/>
+              </a:ext>
+            </a:extLst>
+          </p:cNvPr>
+          <p:cNvSpPr>
+            <a:spLocks noGrp="1"/>
+          </p:cNvSpPr>
+          <p:nvPr>
+            <p:ph idx="1"/>
+          </p:nvPr>
+        </p:nvSpPr>
+        <p:spPr/>
+        <p:txBody>
+          <a:bodyPr>
+            <a:normAutofit lnSpcReduction="10000"/>
+          </a:bodyPr>
+          <a:lstStyle/>
+          <a:p>
+            <a:r>
+              <a:rPr lang="en-US" sz="3200" dirty="0"/>
+              <a:t>Using a standard intermediate table for the COCOMO, the equations were:</a:t>
+            </a:r>
+            <a:br>
+              <a:rPr lang="en-US" sz="3200" dirty="0"/>
+            </a:br>
+            <a:r>
+              <a:rPr lang="en-US" sz="3200" dirty="0"/>
+              <a:t>E = a * (KLOC) ^b</a:t>
+            </a:r>
+          </a:p>
+          <a:p>
+            <a:r>
+              <a:rPr lang="en-US" sz="3200" dirty="0"/>
+              <a:t>D = c * </a:t>
+            </a:r>
+            <a:r>
+              <a:rPr lang="en-US" sz="3200" dirty="0" err="1"/>
+              <a:t>E^d</a:t>
+            </a:r>
+            <a:endParaRPr lang="en-US" sz="3200" dirty="0"/>
+          </a:p>
+          <a:p>
+            <a:r>
+              <a:rPr lang="en-US" sz="3200" dirty="0"/>
+              <a:t>Staffing = Effort/Duration</a:t>
+            </a:r>
+          </a:p>
+          <a:p>
+            <a:endParaRPr lang="en-US" sz="3200" dirty="0"/>
+          </a:p>
+          <a:p>
+            <a:r>
+              <a:rPr lang="en-US" sz="3200" dirty="0"/>
+              <a:t>The amount of money would be 5,200*8,000 = </a:t>
+            </a:r>
+            <a:r>
+              <a:rPr lang="en-US" sz="3200"/>
+              <a:t>41,600,000 dollars.</a:t>
+            </a:r>
+            <a:endParaRPr lang="en-US" sz="3200" dirty="0"/>
+          </a:p>
+        </p:txBody>
+      </p:sp>
+    </p:spTree>
+    <p:extLst>
+      <p:ext uri="{BB962C8B-B14F-4D97-AF65-F5344CB8AC3E}">
+        <p14:creationId xmlns:p14="http://schemas.microsoft.com/office/powerpoint/2010/main" val="3808942369"/>
       </p:ext>
     </p:extLst>
   </p:cSld>
